--- a/web apps Presentation.pptx
+++ b/web apps Presentation.pptx
@@ -7,19 +7,21 @@
   <p:sldIdLst>
     <p:sldId id="256" r:id="rId2"/>
     <p:sldId id="270" r:id="rId3"/>
-    <p:sldId id="284" r:id="rId4"/>
-    <p:sldId id="285" r:id="rId5"/>
-    <p:sldId id="282" r:id="rId6"/>
-    <p:sldId id="273" r:id="rId7"/>
-    <p:sldId id="274" r:id="rId8"/>
-    <p:sldId id="279" r:id="rId9"/>
-    <p:sldId id="283" r:id="rId10"/>
-    <p:sldId id="275" r:id="rId11"/>
-    <p:sldId id="276" r:id="rId12"/>
-    <p:sldId id="277" r:id="rId13"/>
-    <p:sldId id="278" r:id="rId14"/>
-    <p:sldId id="280" r:id="rId15"/>
-    <p:sldId id="281" r:id="rId16"/>
+    <p:sldId id="282" r:id="rId4"/>
+    <p:sldId id="273" r:id="rId5"/>
+    <p:sldId id="274" r:id="rId6"/>
+    <p:sldId id="279" r:id="rId7"/>
+    <p:sldId id="283" r:id="rId8"/>
+    <p:sldId id="275" r:id="rId9"/>
+    <p:sldId id="276" r:id="rId10"/>
+    <p:sldId id="277" r:id="rId11"/>
+    <p:sldId id="278" r:id="rId12"/>
+    <p:sldId id="285" r:id="rId13"/>
+    <p:sldId id="286" r:id="rId14"/>
+    <p:sldId id="287" r:id="rId15"/>
+    <p:sldId id="280" r:id="rId16"/>
+    <p:sldId id="284" r:id="rId17"/>
+    <p:sldId id="281" r:id="rId18"/>
   </p:sldIdLst>
   <p:sldSz cx="12192000" cy="6858000"/>
   <p:notesSz cx="6858000" cy="9144000"/>
@@ -400,7 +402,7 @@
           <a:p>
             <a:fld id="{78ABE3C1-DBE1-495D-B57B-2849774B866A}" type="datetimeFigureOut">
               <a:rPr lang="en-US" dirty="0"/>
-              <a:t>11/6/2018</a:t>
+              <a:t>11/7/2018</a:t>
             </a:fld>
             <a:endParaRPr lang="en-US" dirty="0"/>
           </a:p>
@@ -809,7 +811,7 @@
           <a:p>
             <a:fld id="{446C117F-5CCF-4837-BE5F-2B92066CAFAF}" type="datetimeFigureOut">
               <a:rPr lang="en-US" dirty="0"/>
-              <a:t>11/6/2018</a:t>
+              <a:t>11/7/2018</a:t>
             </a:fld>
             <a:endParaRPr lang="en-US" dirty="0"/>
           </a:p>
@@ -1140,7 +1142,7 @@
           <a:p>
             <a:fld id="{84EB90BD-B6CE-46B7-997F-7313B992CCDC}" type="datetimeFigureOut">
               <a:rPr lang="en-US" dirty="0"/>
-              <a:t>11/6/2018</a:t>
+              <a:t>11/7/2018</a:t>
             </a:fld>
             <a:endParaRPr lang="en-US" dirty="0"/>
           </a:p>
@@ -1540,7 +1542,7 @@
           <a:p>
             <a:fld id="{CDB9D11F-B188-461D-B23F-39381795C052}" type="datetimeFigureOut">
               <a:rPr lang="en-US" dirty="0"/>
-              <a:t>11/6/2018</a:t>
+              <a:t>11/7/2018</a:t>
             </a:fld>
             <a:endParaRPr lang="en-US" dirty="0"/>
           </a:p>
@@ -2103,7 +2105,7 @@
           <a:p>
             <a:fld id="{52E6D8D9-55A2-4063-B0F3-121F44549695}" type="datetimeFigureOut">
               <a:rPr lang="en-US" dirty="0"/>
-              <a:t>11/6/2018</a:t>
+              <a:t>11/7/2018</a:t>
             </a:fld>
             <a:endParaRPr lang="en-US" dirty="0"/>
           </a:p>
@@ -2779,7 +2781,7 @@
           <a:p>
             <a:fld id="{D4B24536-994D-4021-A283-9F449C0DB509}" type="datetimeFigureOut">
               <a:rPr lang="en-US" dirty="0"/>
-              <a:t>11/6/2018</a:t>
+              <a:t>11/7/2018</a:t>
             </a:fld>
             <a:endParaRPr lang="en-US" dirty="0"/>
           </a:p>
@@ -3687,7 +3689,7 @@
           <a:p>
             <a:fld id="{3CBBBB78-C96F-47B7-AB17-D852CA960AC9}" type="datetimeFigureOut">
               <a:rPr lang="en-US" dirty="0"/>
-              <a:t>11/6/2018</a:t>
+              <a:t>11/7/2018</a:t>
             </a:fld>
             <a:endParaRPr lang="en-US" dirty="0"/>
           </a:p>
@@ -3995,7 +3997,7 @@
           <a:p>
             <a:fld id="{1FA3F48C-C7C6-4055-9F49-3777875E72AE}" type="datetimeFigureOut">
               <a:rPr lang="en-US" dirty="0"/>
-              <a:t>11/6/2018</a:t>
+              <a:t>11/7/2018</a:t>
             </a:fld>
             <a:endParaRPr lang="en-US" dirty="0"/>
           </a:p>
@@ -4254,7 +4256,7 @@
           <a:p>
             <a:fld id="{6178E61D-D431-422C-9764-11DAFE33AB63}" type="datetimeFigureOut">
               <a:rPr lang="en-US" dirty="0"/>
-              <a:t>11/6/2018</a:t>
+              <a:t>11/7/2018</a:t>
             </a:fld>
             <a:endParaRPr lang="en-US" dirty="0"/>
           </a:p>
@@ -4573,7 +4575,7 @@
           <a:p>
             <a:fld id="{12DE42F4-6EEF-4EF7-8ED4-2208F0F89A08}" type="datetimeFigureOut">
               <a:rPr lang="en-US" dirty="0"/>
-              <a:t>11/6/2018</a:t>
+              <a:t>11/7/2018</a:t>
             </a:fld>
             <a:endParaRPr lang="en-US" dirty="0"/>
           </a:p>
@@ -4957,7 +4959,7 @@
           <a:p>
             <a:fld id="{30578ACC-22D6-47C1-A373-4FD133E34F3C}" type="datetimeFigureOut">
               <a:rPr lang="en-US" dirty="0"/>
-              <a:t>11/6/2018</a:t>
+              <a:t>11/7/2018</a:t>
             </a:fld>
             <a:endParaRPr lang="en-US" dirty="0"/>
           </a:p>
@@ -5328,7 +5330,7 @@
           <a:p>
             <a:fld id="{4E5A6C69-6797-4E8A-BF37-F2C3751466E9}" type="datetimeFigureOut">
               <a:rPr lang="en-US" dirty="0"/>
-              <a:t>11/6/2018</a:t>
+              <a:t>11/7/2018</a:t>
             </a:fld>
             <a:endParaRPr lang="en-US" dirty="0"/>
           </a:p>
@@ -5829,7 +5831,7 @@
           <a:p>
             <a:fld id="{D82014A1-A632-4878-A0D3-F52BA7563730}" type="datetimeFigureOut">
               <a:rPr lang="en-US" dirty="0"/>
-              <a:t>11/6/2018</a:t>
+              <a:t>11/7/2018</a:t>
             </a:fld>
             <a:endParaRPr lang="en-US" dirty="0"/>
           </a:p>
@@ -6081,7 +6083,7 @@
           <a:p>
             <a:fld id="{CE99F462-093F-4566-844B-4C71F2739DA5}" type="datetimeFigureOut">
               <a:rPr lang="en-US" dirty="0"/>
-              <a:t>11/6/2018</a:t>
+              <a:t>11/7/2018</a:t>
             </a:fld>
             <a:endParaRPr lang="en-US" dirty="0"/>
           </a:p>
@@ -6239,7 +6241,7 @@
           <a:p>
             <a:fld id="{3D24A7AC-904D-4781-85BA-7D10C17ED021}" type="datetimeFigureOut">
               <a:rPr lang="en-US" dirty="0"/>
-              <a:t>11/6/2018</a:t>
+              <a:t>11/7/2018</a:t>
             </a:fld>
             <a:endParaRPr lang="en-US" dirty="0"/>
           </a:p>
@@ -6624,7 +6626,7 @@
           <a:p>
             <a:fld id="{E331444B-B92B-4E27-8C94-BB93EAF5CB18}" type="datetimeFigureOut">
               <a:rPr lang="en-US" dirty="0"/>
-              <a:t>11/6/2018</a:t>
+              <a:t>11/7/2018</a:t>
             </a:fld>
             <a:endParaRPr lang="en-US" dirty="0"/>
           </a:p>
@@ -7028,7 +7030,7 @@
           <a:p>
             <a:fld id="{363EFA5E-FA76-400D-B3DC-F0BA90E6D107}" type="datetimeFigureOut">
               <a:rPr lang="en-US" dirty="0"/>
-              <a:t>11/6/2018</a:t>
+              <a:t>11/7/2018</a:t>
             </a:fld>
             <a:endParaRPr lang="en-US" dirty="0"/>
           </a:p>
@@ -7267,7 +7269,7 @@
           <a:p>
             <a:fld id="{9D6E9DEC-419B-4CC5-A080-3B06BD5A8291}" type="datetimeFigureOut">
               <a:rPr lang="en-US" dirty="0"/>
-              <a:t>11/6/2018</a:t>
+              <a:t>11/7/2018</a:t>
             </a:fld>
             <a:endParaRPr lang="en-US" dirty="0"/>
           </a:p>
@@ -7823,7 +7825,7 @@
           <a:p>
             <a:r>
               <a:rPr lang="en-US" dirty="0" smtClean="0"/>
-              <a:t>Button Press Animation</a:t>
+              <a:t>Button Spread Animation</a:t>
             </a:r>
             <a:endParaRPr lang="en-US" dirty="0"/>
           </a:p>
@@ -7831,7 +7833,7 @@
       </p:sp>
       <p:pic>
         <p:nvPicPr>
-          <p:cNvPr id="5" name="Content Placeholder 4"/>
+          <p:cNvPr id="4" name="Content Placeholder 3"/>
           <p:cNvPicPr>
             <a:picLocks noGrp="1" noChangeAspect="1"/>
           </p:cNvPicPr>
@@ -7840,7 +7842,31 @@
           </p:nvPr>
         </p:nvPicPr>
         <p:blipFill>
-          <a:blip r:embed="rId2">
+          <a:blip r:embed="rId2"/>
+          <a:stretch>
+            <a:fillRect/>
+          </a:stretch>
+        </p:blipFill>
+        <p:spPr>
+          <a:xfrm>
+            <a:off x="680321" y="2613517"/>
+            <a:ext cx="5895592" cy="1958483"/>
+          </a:xfrm>
+          <a:prstGeom prst="rect">
+            <a:avLst/>
+          </a:prstGeom>
+        </p:spPr>
+      </p:pic>
+      <p:pic>
+        <p:nvPicPr>
+          <p:cNvPr id="5" name="Picture 4"/>
+          <p:cNvPicPr>
+            <a:picLocks noChangeAspect="1"/>
+          </p:cNvPicPr>
+          <p:nvPr/>
+        </p:nvPicPr>
+        <p:blipFill>
+          <a:blip r:embed="rId3">
             <a:extLst>
               <a:ext uri="{28A0092B-C50C-407E-A947-70E740481C1C}">
                 <a14:useLocalDpi xmlns:a14="http://schemas.microsoft.com/office/drawing/2010/main" val="0"/>
@@ -7853,29 +7879,8 @@
         </p:blipFill>
         <p:spPr>
           <a:xfrm>
-            <a:off x="7821741" y="2782652"/>
-            <a:ext cx="2648105" cy="1566926"/>
-          </a:xfrm>
-        </p:spPr>
-      </p:pic>
-      <p:pic>
-        <p:nvPicPr>
-          <p:cNvPr id="4" name="Picture 3"/>
-          <p:cNvPicPr>
-            <a:picLocks noChangeAspect="1"/>
-          </p:cNvPicPr>
-          <p:nvPr/>
-        </p:nvPicPr>
-        <p:blipFill>
-          <a:blip r:embed="rId3"/>
-          <a:stretch>
-            <a:fillRect/>
-          </a:stretch>
-        </p:blipFill>
-        <p:spPr>
-          <a:xfrm>
-            <a:off x="680320" y="2336872"/>
-            <a:ext cx="6586843" cy="3606727"/>
+            <a:off x="7830838" y="2811224"/>
+            <a:ext cx="2576166" cy="1563067"/>
           </a:xfrm>
           <a:prstGeom prst="rect">
             <a:avLst/>
@@ -7884,38 +7889,36 @@
       </p:pic>
       <p:sp>
         <p:nvSpPr>
-          <p:cNvPr id="6" name="TextBox 5"/>
-          <p:cNvSpPr txBox="1"/>
+          <p:cNvPr id="6" name="Rectangle 5"/>
+          <p:cNvSpPr/>
           <p:nvPr/>
         </p:nvSpPr>
         <p:spPr>
           <a:xfrm>
-            <a:off x="11553567" y="6488668"/>
-            <a:ext cx="926757" cy="369332"/>
+            <a:off x="11518289" y="6488668"/>
+            <a:ext cx="673711" cy="369332"/>
           </a:xfrm>
           <a:prstGeom prst="rect">
             <a:avLst/>
           </a:prstGeom>
-          <a:noFill/>
-        </p:spPr>
-        <p:txBody>
-          <a:bodyPr wrap="square" rtlCol="0">
+        </p:spPr>
+        <p:txBody>
+          <a:bodyPr wrap="none">
             <a:spAutoFit/>
           </a:bodyPr>
           <a:lstStyle/>
           <a:p>
             <a:r>
-              <a:rPr lang="en-US" dirty="0" smtClean="0"/>
+              <a:rPr lang="en-US" dirty="0"/>
               <a:t>Telio</a:t>
             </a:r>
-            <a:endParaRPr lang="en-US" dirty="0"/>
           </a:p>
         </p:txBody>
       </p:sp>
     </p:spTree>
     <p:extLst>
       <p:ext uri="{BB962C8B-B14F-4D97-AF65-F5344CB8AC3E}">
-        <p14:creationId xmlns:p14="http://schemas.microsoft.com/office/powerpoint/2010/main" val="3535501036"/>
+        <p14:creationId xmlns:p14="http://schemas.microsoft.com/office/powerpoint/2010/main" val="3372417653"/>
       </p:ext>
     </p:extLst>
   </p:cSld>
@@ -7966,7 +7969,7 @@
           <a:p>
             <a:r>
               <a:rPr lang="en-US" dirty="0" smtClean="0"/>
-              <a:t>Button Grow Animation</a:t>
+              <a:t>Scrolling Background</a:t>
             </a:r>
             <a:endParaRPr lang="en-US" dirty="0"/>
           </a:p>
@@ -7974,7 +7977,7 @@
       </p:sp>
       <p:pic>
         <p:nvPicPr>
-          <p:cNvPr id="5" name="Content Placeholder 4"/>
+          <p:cNvPr id="4" name="Content Placeholder 3"/>
           <p:cNvPicPr>
             <a:picLocks noGrp="1" noChangeAspect="1"/>
           </p:cNvPicPr>
@@ -7983,7 +7986,31 @@
           </p:nvPr>
         </p:nvPicPr>
         <p:blipFill>
-          <a:blip r:embed="rId2">
+          <a:blip r:embed="rId2"/>
+          <a:stretch>
+            <a:fillRect/>
+          </a:stretch>
+        </p:blipFill>
+        <p:spPr>
+          <a:xfrm>
+            <a:off x="5993026" y="1957734"/>
+            <a:ext cx="5276335" cy="3491596"/>
+          </a:xfrm>
+          <a:prstGeom prst="rect">
+            <a:avLst/>
+          </a:prstGeom>
+        </p:spPr>
+      </p:pic>
+      <p:pic>
+        <p:nvPicPr>
+          <p:cNvPr id="5" name="Picture 4"/>
+          <p:cNvPicPr>
+            <a:picLocks noChangeAspect="1"/>
+          </p:cNvPicPr>
+          <p:nvPr/>
+        </p:nvPicPr>
+        <p:blipFill>
+          <a:blip r:embed="rId3">
             <a:extLst>
               <a:ext uri="{28A0092B-C50C-407E-A947-70E740481C1C}">
                 <a14:useLocalDpi xmlns:a14="http://schemas.microsoft.com/office/drawing/2010/main" val="0"/>
@@ -7996,29 +8023,8 @@
         </p:blipFill>
         <p:spPr>
           <a:xfrm>
-            <a:off x="6950975" y="2470528"/>
-            <a:ext cx="2506345" cy="1520704"/>
-          </a:xfrm>
-        </p:spPr>
-      </p:pic>
-      <p:pic>
-        <p:nvPicPr>
-          <p:cNvPr id="4" name="Picture 3"/>
-          <p:cNvPicPr>
-            <a:picLocks noChangeAspect="1"/>
-          </p:cNvPicPr>
-          <p:nvPr/>
-        </p:nvPicPr>
-        <p:blipFill>
-          <a:blip r:embed="rId3"/>
-          <a:stretch>
-            <a:fillRect/>
-          </a:stretch>
-        </p:blipFill>
-        <p:spPr>
-          <a:xfrm>
-            <a:off x="680321" y="2336872"/>
-            <a:ext cx="5361793" cy="1790285"/>
+            <a:off x="0" y="1957734"/>
+            <a:ext cx="5993027" cy="2111344"/>
           </a:xfrm>
           <a:prstGeom prst="rect">
             <a:avLst/>
@@ -8033,7 +8039,7 @@
         </p:nvSpPr>
         <p:spPr>
           <a:xfrm>
-            <a:off x="11518289" y="6452968"/>
+            <a:off x="11518289" y="6488668"/>
             <a:ext cx="673711" cy="369332"/>
           </a:xfrm>
           <a:prstGeom prst="rect">
@@ -8056,7 +8062,7 @@
     </p:spTree>
     <p:extLst>
       <p:ext uri="{BB962C8B-B14F-4D97-AF65-F5344CB8AC3E}">
-        <p14:creationId xmlns:p14="http://schemas.microsoft.com/office/powerpoint/2010/main" val="494620401"/>
+        <p14:creationId xmlns:p14="http://schemas.microsoft.com/office/powerpoint/2010/main" val="3187785126"/>
       </p:ext>
     </p:extLst>
   </p:cSld>
@@ -8107,7 +8113,7 @@
           <a:p>
             <a:r>
               <a:rPr lang="en-US" dirty="0" smtClean="0"/>
-              <a:t>Button Spread Animation</a:t>
+              <a:t>Creating and assigning canvas</a:t>
             </a:r>
             <a:endParaRPr lang="en-US" dirty="0"/>
           </a:p>
@@ -8124,31 +8130,7 @@
           </p:nvPr>
         </p:nvPicPr>
         <p:blipFill>
-          <a:blip r:embed="rId2"/>
-          <a:stretch>
-            <a:fillRect/>
-          </a:stretch>
-        </p:blipFill>
-        <p:spPr>
-          <a:xfrm>
-            <a:off x="680321" y="2613517"/>
-            <a:ext cx="5895592" cy="1958483"/>
-          </a:xfrm>
-          <a:prstGeom prst="rect">
-            <a:avLst/>
-          </a:prstGeom>
-        </p:spPr>
-      </p:pic>
-      <p:pic>
-        <p:nvPicPr>
-          <p:cNvPr id="5" name="Picture 4"/>
-          <p:cNvPicPr>
-            <a:picLocks noChangeAspect="1"/>
-          </p:cNvPicPr>
-          <p:nvPr/>
-        </p:nvPicPr>
-        <p:blipFill>
-          <a:blip r:embed="rId3">
+          <a:blip r:embed="rId2">
             <a:extLst>
               <a:ext uri="{28A0092B-C50C-407E-A947-70E740481C1C}">
                 <a14:useLocalDpi xmlns:a14="http://schemas.microsoft.com/office/drawing/2010/main" val="0"/>
@@ -8161,29 +8143,26 @@
         </p:blipFill>
         <p:spPr>
           <a:xfrm>
-            <a:off x="7830838" y="2811224"/>
-            <a:ext cx="2576166" cy="1563067"/>
+            <a:off x="905823" y="2821598"/>
+            <a:ext cx="9164329" cy="2629267"/>
+          </a:xfrm>
+        </p:spPr>
+      </p:pic>
+      <p:sp>
+        <p:nvSpPr>
+          <p:cNvPr id="3" name="Rectangle 2"/>
+          <p:cNvSpPr/>
+          <p:nvPr/>
+        </p:nvSpPr>
+        <p:spPr>
+          <a:xfrm>
+            <a:off x="10998408" y="6271739"/>
+            <a:ext cx="901209" cy="369332"/>
           </a:xfrm>
           <a:prstGeom prst="rect">
             <a:avLst/>
           </a:prstGeom>
         </p:spPr>
-      </p:pic>
-      <p:sp>
-        <p:nvSpPr>
-          <p:cNvPr id="6" name="Rectangle 5"/>
-          <p:cNvSpPr/>
-          <p:nvPr/>
-        </p:nvSpPr>
-        <p:spPr>
-          <a:xfrm>
-            <a:off x="11518289" y="6488668"/>
-            <a:ext cx="673711" cy="369332"/>
-          </a:xfrm>
-          <a:prstGeom prst="rect">
-            <a:avLst/>
-          </a:prstGeom>
-        </p:spPr>
         <p:txBody>
           <a:bodyPr wrap="none">
             <a:spAutoFit/>
@@ -8191,29 +8170,23 @@
           <a:lstStyle/>
           <a:p>
             <a:r>
-              <a:rPr lang="en-US" dirty="0"/>
-              <a:t>Telio</a:t>
-            </a:r>
+              <a:rPr lang="en-US" dirty="0" smtClean="0"/>
+              <a:t>Anurag</a:t>
+            </a:r>
+            <a:endParaRPr lang="en-US" dirty="0"/>
           </a:p>
         </p:txBody>
       </p:sp>
     </p:spTree>
     <p:extLst>
       <p:ext uri="{BB962C8B-B14F-4D97-AF65-F5344CB8AC3E}">
-        <p14:creationId xmlns:p14="http://schemas.microsoft.com/office/powerpoint/2010/main" val="3372417653"/>
+        <p14:creationId xmlns:p14="http://schemas.microsoft.com/office/powerpoint/2010/main" val="424402196"/>
       </p:ext>
     </p:extLst>
   </p:cSld>
   <p:clrMapOvr>
     <a:masterClrMapping/>
   </p:clrMapOvr>
-  <p:timing>
-    <p:tnLst>
-      <p:par>
-        <p:cTn id="1" dur="indefinite" restart="never" nodeType="tmRoot"/>
-      </p:par>
-    </p:tnLst>
-  </p:timing>
 </p:sld>
 </file>
 
@@ -8251,7 +8224,7 @@
           <a:p>
             <a:r>
               <a:rPr lang="en-US" dirty="0" smtClean="0"/>
-              <a:t>Scrolling Background</a:t>
+              <a:t>Text division into particles</a:t>
             </a:r>
             <a:endParaRPr lang="en-US" dirty="0"/>
           </a:p>
@@ -8268,24 +8241,27 @@
           </p:nvPr>
         </p:nvPicPr>
         <p:blipFill>
-          <a:blip r:embed="rId2"/>
+          <a:blip r:embed="rId2">
+            <a:extLst>
+              <a:ext uri="{28A0092B-C50C-407E-A947-70E740481C1C}">
+                <a14:useLocalDpi xmlns:a14="http://schemas.microsoft.com/office/drawing/2010/main" val="0"/>
+              </a:ext>
+            </a:extLst>
+          </a:blip>
           <a:stretch>
             <a:fillRect/>
           </a:stretch>
         </p:blipFill>
         <p:spPr>
           <a:xfrm>
-            <a:off x="5993026" y="1957734"/>
-            <a:ext cx="5276335" cy="3491596"/>
-          </a:xfrm>
-          <a:prstGeom prst="rect">
-            <a:avLst/>
-          </a:prstGeom>
+            <a:off x="5487251" y="2599507"/>
+            <a:ext cx="5442263" cy="3174275"/>
+          </a:xfrm>
         </p:spPr>
       </p:pic>
       <p:pic>
         <p:nvPicPr>
-          <p:cNvPr id="5" name="Picture 4"/>
+          <p:cNvPr id="6" name="Picture 5"/>
           <p:cNvPicPr>
             <a:picLocks noChangeAspect="1"/>
           </p:cNvPicPr>
@@ -8305,8 +8281,8 @@
         </p:blipFill>
         <p:spPr>
           <a:xfrm>
-            <a:off x="0" y="1957734"/>
-            <a:ext cx="5993027" cy="2111344"/>
+            <a:off x="241577" y="3365788"/>
+            <a:ext cx="5125165" cy="1066949"/>
           </a:xfrm>
           <a:prstGeom prst="rect">
             <a:avLst/>
@@ -8315,14 +8291,14 @@
       </p:pic>
       <p:sp>
         <p:nvSpPr>
-          <p:cNvPr id="6" name="Rectangle 5"/>
+          <p:cNvPr id="3" name="Rectangle 2"/>
           <p:cNvSpPr/>
           <p:nvPr/>
         </p:nvSpPr>
         <p:spPr>
           <a:xfrm>
-            <a:off x="11518289" y="6488668"/>
-            <a:ext cx="673711" cy="369332"/>
+            <a:off x="11290791" y="6382950"/>
+            <a:ext cx="901209" cy="369332"/>
           </a:xfrm>
           <a:prstGeom prst="rect">
             <a:avLst/>
@@ -8335,16 +8311,17 @@
           <a:lstStyle/>
           <a:p>
             <a:r>
-              <a:rPr lang="en-US" dirty="0"/>
-              <a:t>Telio</a:t>
-            </a:r>
+              <a:rPr lang="en-US" dirty="0" smtClean="0"/>
+              <a:t>Anurag</a:t>
+            </a:r>
+            <a:endParaRPr lang="en-US" dirty="0"/>
           </a:p>
         </p:txBody>
       </p:sp>
     </p:spTree>
     <p:extLst>
       <p:ext uri="{BB962C8B-B14F-4D97-AF65-F5344CB8AC3E}">
-        <p14:creationId xmlns:p14="http://schemas.microsoft.com/office/powerpoint/2010/main" val="3187785126"/>
+        <p14:creationId xmlns:p14="http://schemas.microsoft.com/office/powerpoint/2010/main" val="1092041186"/>
       </p:ext>
     </p:extLst>
   </p:cSld>
@@ -8394,8 +8371,156 @@
           <a:lstStyle/>
           <a:p>
             <a:r>
+              <a:rPr lang="en-US" dirty="0" smtClean="0"/>
+              <a:t>Particle rendering animation</a:t>
+            </a:r>
+            <a:endParaRPr lang="en-US" dirty="0"/>
+          </a:p>
+        </p:txBody>
+      </p:sp>
+      <p:pic>
+        <p:nvPicPr>
+          <p:cNvPr id="4" name="Content Placeholder 3"/>
+          <p:cNvPicPr>
+            <a:picLocks noGrp="1" noChangeAspect="1"/>
+          </p:cNvPicPr>
+          <p:nvPr>
+            <p:ph idx="1"/>
+          </p:nvPr>
+        </p:nvPicPr>
+        <p:blipFill>
+          <a:blip r:embed="rId2">
+            <a:extLst>
+              <a:ext uri="{28A0092B-C50C-407E-A947-70E740481C1C}">
+                <a14:useLocalDpi xmlns:a14="http://schemas.microsoft.com/office/drawing/2010/main" val="0"/>
+              </a:ext>
+            </a:extLst>
+          </a:blip>
+          <a:stretch>
+            <a:fillRect/>
+          </a:stretch>
+        </p:blipFill>
+        <p:spPr>
+          <a:xfrm>
+            <a:off x="5487251" y="2965269"/>
+            <a:ext cx="6444343" cy="2416628"/>
+          </a:xfrm>
+        </p:spPr>
+      </p:pic>
+      <p:pic>
+        <p:nvPicPr>
+          <p:cNvPr id="5" name="Picture 4"/>
+          <p:cNvPicPr>
+            <a:picLocks noChangeAspect="1"/>
+          </p:cNvPicPr>
+          <p:nvPr/>
+        </p:nvPicPr>
+        <p:blipFill>
+          <a:blip r:embed="rId3">
+            <a:extLst>
+              <a:ext uri="{28A0092B-C50C-407E-A947-70E740481C1C}">
+                <a14:useLocalDpi xmlns:a14="http://schemas.microsoft.com/office/drawing/2010/main" val="0"/>
+              </a:ext>
+            </a:extLst>
+          </a:blip>
+          <a:stretch>
+            <a:fillRect/>
+          </a:stretch>
+        </p:blipFill>
+        <p:spPr>
+          <a:xfrm>
+            <a:off x="476055" y="3331506"/>
+            <a:ext cx="4734586" cy="952633"/>
+          </a:xfrm>
+          <a:prstGeom prst="rect">
+            <a:avLst/>
+          </a:prstGeom>
+        </p:spPr>
+      </p:pic>
+      <p:sp>
+        <p:nvSpPr>
+          <p:cNvPr id="3" name="Rectangle 2"/>
+          <p:cNvSpPr/>
+          <p:nvPr/>
+        </p:nvSpPr>
+        <p:spPr>
+          <a:xfrm>
+            <a:off x="11290791" y="6328334"/>
+            <a:ext cx="901209" cy="369332"/>
+          </a:xfrm>
+          <a:prstGeom prst="rect">
+            <a:avLst/>
+          </a:prstGeom>
+        </p:spPr>
+        <p:txBody>
+          <a:bodyPr wrap="none">
+            <a:spAutoFit/>
+          </a:bodyPr>
+          <a:lstStyle/>
+          <a:p>
+            <a:r>
               <a:rPr lang="en-US" dirty="0"/>
-              <a:t>The Start and End States </a:t>
+              <a:t>Anurag</a:t>
+            </a:r>
+          </a:p>
+        </p:txBody>
+      </p:sp>
+    </p:spTree>
+    <p:extLst>
+      <p:ext uri="{BB962C8B-B14F-4D97-AF65-F5344CB8AC3E}">
+        <p14:creationId xmlns:p14="http://schemas.microsoft.com/office/powerpoint/2010/main" val="1984136561"/>
+      </p:ext>
+    </p:extLst>
+  </p:cSld>
+  <p:clrMapOvr>
+    <a:masterClrMapping/>
+  </p:clrMapOvr>
+</p:sld>
+</file>
+
+<file path=ppt/slides/slide15.xml><?xml version="1.0" encoding="utf-8"?>
+<p:sld xmlns:a="http://schemas.openxmlformats.org/drawingml/2006/main" xmlns:r="http://schemas.openxmlformats.org/officeDocument/2006/relationships" xmlns:p="http://schemas.openxmlformats.org/presentationml/2006/main">
+  <p:cSld>
+    <p:spTree>
+      <p:nvGrpSpPr>
+        <p:cNvPr id="1" name=""/>
+        <p:cNvGrpSpPr/>
+        <p:nvPr/>
+      </p:nvGrpSpPr>
+      <p:grpSpPr>
+        <a:xfrm>
+          <a:off x="0" y="0"/>
+          <a:ext cx="0" cy="0"/>
+          <a:chOff x="0" y="0"/>
+          <a:chExt cx="0" cy="0"/>
+        </a:xfrm>
+      </p:grpSpPr>
+      <p:sp>
+        <p:nvSpPr>
+          <p:cNvPr id="2" name="Title 1"/>
+          <p:cNvSpPr>
+            <a:spLocks noGrp="1"/>
+          </p:cNvSpPr>
+          <p:nvPr>
+            <p:ph type="title"/>
+          </p:nvPr>
+        </p:nvSpPr>
+        <p:spPr/>
+        <p:txBody>
+          <a:bodyPr/>
+          <a:lstStyle/>
+          <a:p>
+            <a:r>
+              <a:rPr lang="en-US" dirty="0" smtClean="0"/>
+              <a:t>Animation: </a:t>
+            </a:r>
+            <a:r>
+              <a:rPr lang="en-US" dirty="0" smtClean="0"/>
+              <a:t>The </a:t>
+            </a:r>
+            <a:r>
+              <a:rPr lang="en-US" dirty="0"/>
+              <a:t>Start and End States </a:t>
             </a:r>
           </a:p>
         </p:txBody>
@@ -8432,18 +8557,15 @@
             </a:r>
           </a:p>
           <a:p>
-            <a:pPr marL="0" indent="0">
-              <a:buNone/>
-            </a:pPr>
             <a:r>
               <a:rPr lang="en-US" dirty="0" smtClean="0"/>
               <a:t> </a:t>
             </a:r>
             <a:r>
-              <a:rPr lang="en-US" dirty="0" smtClean="0">
+              <a:rPr lang="en-US" dirty="0">
                 <a:hlinkClick r:id="rId2"/>
               </a:rPr>
-              <a:t>https://sonamgadkari.github.io/Project/index2.html</a:t>
+              <a:t>https://sonamgadkari.github.io/Project/</a:t>
             </a:r>
             <a:endParaRPr lang="en-US" dirty="0"/>
           </a:p>
@@ -8493,7 +8615,7 @@
           </a:prstGeom>
         </p:spPr>
         <p:txBody>
-          <a:bodyPr wrap="none">
+          <a:bodyPr wrap="square">
             <a:spAutoFit/>
           </a:bodyPr>
           <a:lstStyle/>
@@ -8526,7 +8648,7 @@
 </p:sld>
 </file>
 
-<file path=ppt/slides/slide15.xml><?xml version="1.0" encoding="utf-8"?>
+<file path=ppt/slides/slide16.xml><?xml version="1.0" encoding="utf-8"?>
 <p:sld xmlns:a="http://schemas.openxmlformats.org/drawingml/2006/main" xmlns:r="http://schemas.openxmlformats.org/officeDocument/2006/relationships" xmlns:p="http://schemas.openxmlformats.org/presentationml/2006/main">
   <p:cSld>
     <p:spTree>
@@ -8558,7 +8680,15 @@
           <a:bodyPr/>
           <a:lstStyle/>
           <a:p>
-            <a:endParaRPr lang="en-US"/>
+            <a:r>
+              <a:rPr lang="en-US" dirty="0" err="1" smtClean="0"/>
+              <a:t>BootStrap</a:t>
+            </a:r>
+            <a:r>
+              <a:rPr lang="en-US" dirty="0" smtClean="0"/>
+              <a:t> Format</a:t>
+            </a:r>
+            <a:endParaRPr lang="en-US" dirty="0"/>
           </a:p>
         </p:txBody>
       </p:sp>
@@ -8574,10 +8704,280 @@
         </p:nvSpPr>
         <p:spPr/>
         <p:txBody>
+          <a:bodyPr>
+            <a:normAutofit fontScale="77500" lnSpcReduction="20000"/>
+          </a:bodyPr>
+          <a:lstStyle/>
+          <a:p>
+            <a:r>
+              <a:rPr lang="en-US" dirty="0"/>
+              <a:t>&lt;div class="container-fluid"&gt;</a:t>
+            </a:r>
+            <a:br>
+              <a:rPr lang="en-US" dirty="0"/>
+            </a:br>
+            <a:r>
+              <a:rPr lang="en-US" dirty="0"/>
+              <a:t>  &lt;h1&gt;my first bootstrap page&lt;/h1&gt;</a:t>
+            </a:r>
+            <a:br>
+              <a:rPr lang="en-US" dirty="0"/>
+            </a:br>
+            <a:r>
+              <a:rPr lang="en-US" dirty="0"/>
+              <a:t>  &lt;p&gt;this is some text.&lt;/p&gt;</a:t>
+            </a:r>
+          </a:p>
+          <a:p>
+            <a:r>
+              <a:rPr lang="en-US" dirty="0"/>
+              <a:t>	&lt;div class="row"&gt;</a:t>
+            </a:r>
+            <a:br>
+              <a:rPr lang="en-US" dirty="0"/>
+            </a:br>
+            <a:r>
+              <a:rPr lang="en-US" dirty="0"/>
+              <a:t>  		&lt;div class="col-*-*"&gt;&lt;/div&gt;</a:t>
+            </a:r>
+            <a:br>
+              <a:rPr lang="en-US" dirty="0"/>
+            </a:br>
+            <a:r>
+              <a:rPr lang="en-US" dirty="0"/>
+              <a:t> 		 &lt;div class="col-*-*"&gt;&lt;/div&gt;</a:t>
+            </a:r>
+            <a:br>
+              <a:rPr lang="en-US" dirty="0"/>
+            </a:br>
+            <a:r>
+              <a:rPr lang="en-US" dirty="0"/>
+              <a:t>	&lt;/div&gt;</a:t>
+            </a:r>
+            <a:br>
+              <a:rPr lang="en-US" dirty="0"/>
+            </a:br>
+            <a:r>
+              <a:rPr lang="en-US" dirty="0"/>
+              <a:t>	&lt;div class="row"&gt;</a:t>
+            </a:r>
+            <a:br>
+              <a:rPr lang="en-US" dirty="0"/>
+            </a:br>
+            <a:r>
+              <a:rPr lang="en-US" dirty="0"/>
+              <a:t>  		&lt;div class="col-*-*"&gt;&lt;/div&gt;</a:t>
+            </a:r>
+            <a:br>
+              <a:rPr lang="en-US" dirty="0"/>
+            </a:br>
+            <a:r>
+              <a:rPr lang="en-US" dirty="0"/>
+              <a:t>  		&lt;div class="col-*-*"&gt;&lt;/div&gt;</a:t>
+            </a:r>
+            <a:br>
+              <a:rPr lang="en-US" dirty="0"/>
+            </a:br>
+            <a:r>
+              <a:rPr lang="en-US" dirty="0"/>
+              <a:t> 		&lt;div class="col-*-*"&gt;&lt;/div&gt;</a:t>
+            </a:r>
+            <a:br>
+              <a:rPr lang="en-US" dirty="0"/>
+            </a:br>
+            <a:r>
+              <a:rPr lang="en-US" dirty="0"/>
+              <a:t>	&lt;/div&gt;</a:t>
+            </a:r>
+            <a:br>
+              <a:rPr lang="en-US" dirty="0"/>
+            </a:br>
+            <a:r>
+              <a:rPr lang="en-US" dirty="0"/>
+              <a:t>&lt;/div</a:t>
+            </a:r>
+            <a:r>
+              <a:rPr lang="en-US" dirty="0" smtClean="0"/>
+              <a:t>&gt;</a:t>
+            </a:r>
+          </a:p>
+          <a:p>
+            <a:endParaRPr lang="en-US" dirty="0"/>
+          </a:p>
+          <a:p>
+            <a:pPr marL="0" indent="0">
+              <a:buNone/>
+            </a:pPr>
+            <a:r>
+              <a:rPr lang="en-US" dirty="0" err="1" smtClean="0"/>
+              <a:t>md,lg,sm</a:t>
+            </a:r>
+            <a:endParaRPr lang="en-US" dirty="0"/>
+          </a:p>
+        </p:txBody>
+      </p:sp>
+      <p:sp>
+        <p:nvSpPr>
+          <p:cNvPr id="6" name="Rectangle 5"/>
+          <p:cNvSpPr/>
+          <p:nvPr/>
+        </p:nvSpPr>
+        <p:spPr>
+          <a:xfrm>
+            <a:off x="11222152" y="6352744"/>
+            <a:ext cx="859531" cy="369332"/>
+          </a:xfrm>
+          <a:prstGeom prst="rect">
+            <a:avLst/>
+          </a:prstGeom>
+        </p:spPr>
+        <p:txBody>
+          <a:bodyPr wrap="square">
+            <a:spAutoFit/>
+          </a:bodyPr>
+          <a:lstStyle/>
+          <a:p>
+            <a:r>
+              <a:rPr lang="en-US" dirty="0" err="1" smtClean="0"/>
+              <a:t>Sonam</a:t>
+            </a:r>
+            <a:endParaRPr lang="en-US" dirty="0"/>
+          </a:p>
+        </p:txBody>
+      </p:sp>
+    </p:spTree>
+    <p:extLst>
+      <p:ext uri="{BB962C8B-B14F-4D97-AF65-F5344CB8AC3E}">
+        <p14:creationId xmlns:p14="http://schemas.microsoft.com/office/powerpoint/2010/main" val="1997084875"/>
+      </p:ext>
+    </p:extLst>
+  </p:cSld>
+  <p:clrMapOvr>
+    <a:masterClrMapping/>
+  </p:clrMapOvr>
+  <p:timing>
+    <p:tnLst>
+      <p:par>
+        <p:cTn id="1" dur="indefinite" restart="never" nodeType="tmRoot"/>
+      </p:par>
+    </p:tnLst>
+  </p:timing>
+</p:sld>
+</file>
+
+<file path=ppt/slides/slide17.xml><?xml version="1.0" encoding="utf-8"?>
+<p:sld xmlns:a="http://schemas.openxmlformats.org/drawingml/2006/main" xmlns:r="http://schemas.openxmlformats.org/officeDocument/2006/relationships" xmlns:p="http://schemas.openxmlformats.org/presentationml/2006/main">
+  <p:cSld>
+    <p:spTree>
+      <p:nvGrpSpPr>
+        <p:cNvPr id="1" name=""/>
+        <p:cNvGrpSpPr/>
+        <p:nvPr/>
+      </p:nvGrpSpPr>
+      <p:grpSpPr>
+        <a:xfrm>
+          <a:off x="0" y="0"/>
+          <a:ext cx="0" cy="0"/>
+          <a:chOff x="0" y="0"/>
+          <a:chExt cx="0" cy="0"/>
+        </a:xfrm>
+      </p:grpSpPr>
+      <p:sp>
+        <p:nvSpPr>
+          <p:cNvPr id="2" name="Title 1"/>
+          <p:cNvSpPr>
+            <a:spLocks noGrp="1"/>
+          </p:cNvSpPr>
+          <p:nvPr>
+            <p:ph type="title"/>
+          </p:nvPr>
+        </p:nvSpPr>
+        <p:spPr/>
+        <p:txBody>
           <a:bodyPr/>
           <a:lstStyle/>
           <a:p>
-            <a:endParaRPr lang="en-US"/>
+            <a:r>
+              <a:rPr lang="en-US" dirty="0" err="1" smtClean="0"/>
+              <a:t>BootStrap</a:t>
+            </a:r>
+            <a:r>
+              <a:rPr lang="en-US" dirty="0" smtClean="0"/>
+              <a:t> Carousel</a:t>
+            </a:r>
+            <a:endParaRPr lang="en-US" dirty="0"/>
+          </a:p>
+        </p:txBody>
+      </p:sp>
+      <p:sp>
+        <p:nvSpPr>
+          <p:cNvPr id="3" name="Content Placeholder 2"/>
+          <p:cNvSpPr>
+            <a:spLocks noGrp="1"/>
+          </p:cNvSpPr>
+          <p:nvPr>
+            <p:ph idx="1"/>
+          </p:nvPr>
+        </p:nvSpPr>
+        <p:spPr/>
+        <p:txBody>
+          <a:bodyPr/>
+          <a:lstStyle/>
+          <a:p>
+            <a:r>
+              <a:rPr lang="en-US" dirty="0"/>
+              <a:t>S</a:t>
+            </a:r>
+            <a:r>
+              <a:rPr lang="en-US" dirty="0" smtClean="0"/>
+              <a:t>lideshow </a:t>
+            </a:r>
+            <a:r>
+              <a:rPr lang="en-US" dirty="0"/>
+              <a:t>for cycling through a series of content</a:t>
+            </a:r>
+            <a:endParaRPr lang="en-US" dirty="0" smtClean="0"/>
+          </a:p>
+          <a:p>
+            <a:r>
+              <a:rPr lang="en-US" dirty="0" smtClean="0"/>
+              <a:t> </a:t>
+            </a:r>
+            <a:r>
+              <a:rPr lang="en-US" dirty="0">
+                <a:hlinkClick r:id="rId2"/>
+              </a:rPr>
+              <a:t>https://sonamgadkari.github.io/Project/</a:t>
+            </a:r>
+            <a:endParaRPr lang="en-US" dirty="0"/>
+          </a:p>
+        </p:txBody>
+      </p:sp>
+      <p:sp>
+        <p:nvSpPr>
+          <p:cNvPr id="4" name="Rectangle 3"/>
+          <p:cNvSpPr/>
+          <p:nvPr/>
+        </p:nvSpPr>
+        <p:spPr>
+          <a:xfrm>
+            <a:off x="10868428" y="6024604"/>
+            <a:ext cx="859531" cy="369332"/>
+          </a:xfrm>
+          <a:prstGeom prst="rect">
+            <a:avLst/>
+          </a:prstGeom>
+        </p:spPr>
+        <p:txBody>
+          <a:bodyPr wrap="none">
+            <a:spAutoFit/>
+          </a:bodyPr>
+          <a:lstStyle/>
+          <a:p>
+            <a:r>
+              <a:rPr lang="en-US" dirty="0"/>
+              <a:t>Sonam</a:t>
+            </a:r>
           </a:p>
         </p:txBody>
       </p:sp>
@@ -8798,136 +9198,90 @@
           <a:lstStyle/>
           <a:p>
             <a:r>
+              <a:rPr lang="en-US" dirty="0"/>
+              <a:t>Advantages of material design</a:t>
+            </a:r>
+          </a:p>
+        </p:txBody>
+      </p:sp>
+      <p:sp>
+        <p:nvSpPr>
+          <p:cNvPr id="3" name="Content Placeholder 2"/>
+          <p:cNvSpPr>
+            <a:spLocks noGrp="1"/>
+          </p:cNvSpPr>
+          <p:nvPr>
+            <p:ph idx="1"/>
+          </p:nvPr>
+        </p:nvSpPr>
+        <p:spPr/>
+        <p:txBody>
+          <a:bodyPr/>
+          <a:lstStyle/>
+          <a:p>
+            <a:pPr fontAlgn="base"/>
+            <a:r>
+              <a:rPr lang="en-US" b="1" dirty="0"/>
+              <a:t>Branding</a:t>
+            </a:r>
+            <a:endParaRPr lang="en-US" dirty="0"/>
+          </a:p>
+          <a:p>
+            <a:pPr fontAlgn="base"/>
+            <a:r>
+              <a:rPr lang="en-US" dirty="0"/>
+              <a:t>Material design uses flat and light objects. It requires just two to three colors to brand the entire APP. material design is easy to brand the APPs you develop</a:t>
+            </a:r>
+          </a:p>
+          <a:p>
+            <a:pPr fontAlgn="base"/>
+            <a:r>
+              <a:rPr lang="en-US" b="1" dirty="0"/>
+              <a:t>User Engagement</a:t>
+            </a:r>
+            <a:endParaRPr lang="en-US" dirty="0"/>
+          </a:p>
+          <a:p>
+            <a:pPr fontAlgn="base"/>
+            <a:r>
+              <a:rPr lang="en-US" dirty="0"/>
+              <a:t>In the era of Internet it is very important to engage users. You have to constantly communicate with users through your APP. User Engagement is one of the key factors to success.</a:t>
+            </a:r>
+          </a:p>
+          <a:p>
+            <a:pPr fontAlgn="base"/>
+            <a:endParaRPr lang="en-US" dirty="0"/>
+          </a:p>
+          <a:p>
+            <a:endParaRPr lang="en-US" dirty="0"/>
+          </a:p>
+        </p:txBody>
+      </p:sp>
+      <p:sp>
+        <p:nvSpPr>
+          <p:cNvPr id="4" name="TextBox 3"/>
+          <p:cNvSpPr txBox="1"/>
+          <p:nvPr/>
+        </p:nvSpPr>
+        <p:spPr>
+          <a:xfrm>
+            <a:off x="11306432" y="6488668"/>
+            <a:ext cx="1482811" cy="369332"/>
+          </a:xfrm>
+          <a:prstGeom prst="rect">
+            <a:avLst/>
+          </a:prstGeom>
+          <a:noFill/>
+        </p:spPr>
+        <p:txBody>
+          <a:bodyPr wrap="square" rtlCol="0">
+            <a:spAutoFit/>
+          </a:bodyPr>
+          <a:lstStyle/>
+          <a:p>
+            <a:r>
               <a:rPr lang="en-US" dirty="0" err="1" smtClean="0"/>
-              <a:t>BootStrap</a:t>
-            </a:r>
-            <a:r>
-              <a:rPr lang="en-US" dirty="0" smtClean="0"/>
-              <a:t> Format</a:t>
-            </a:r>
-            <a:endParaRPr lang="en-US" dirty="0"/>
-          </a:p>
-        </p:txBody>
-      </p:sp>
-      <p:sp>
-        <p:nvSpPr>
-          <p:cNvPr id="3" name="Content Placeholder 2"/>
-          <p:cNvSpPr>
-            <a:spLocks noGrp="1"/>
-          </p:cNvSpPr>
-          <p:nvPr>
-            <p:ph idx="1"/>
-          </p:nvPr>
-        </p:nvSpPr>
-        <p:spPr/>
-        <p:txBody>
-          <a:bodyPr>
-            <a:normAutofit fontScale="77500" lnSpcReduction="20000"/>
-          </a:bodyPr>
-          <a:lstStyle/>
-          <a:p>
-            <a:r>
-              <a:rPr lang="en-US" dirty="0"/>
-              <a:t>&lt;div class="container-fluid"&gt;</a:t>
-            </a:r>
-            <a:br>
-              <a:rPr lang="en-US" dirty="0"/>
-            </a:br>
-            <a:r>
-              <a:rPr lang="en-US" dirty="0"/>
-              <a:t>  &lt;h1&gt;my first bootstrap page&lt;/h1&gt;</a:t>
-            </a:r>
-            <a:br>
-              <a:rPr lang="en-US" dirty="0"/>
-            </a:br>
-            <a:r>
-              <a:rPr lang="en-US" dirty="0"/>
-              <a:t>  &lt;p&gt;this is some text.&lt;/p&gt;</a:t>
-            </a:r>
-          </a:p>
-          <a:p>
-            <a:r>
-              <a:rPr lang="en-US" dirty="0"/>
-              <a:t>	&lt;div class="row"&gt;</a:t>
-            </a:r>
-            <a:br>
-              <a:rPr lang="en-US" dirty="0"/>
-            </a:br>
-            <a:r>
-              <a:rPr lang="en-US" dirty="0"/>
-              <a:t>  		&lt;div class="col-*-*"&gt;&lt;/div&gt;</a:t>
-            </a:r>
-            <a:br>
-              <a:rPr lang="en-US" dirty="0"/>
-            </a:br>
-            <a:r>
-              <a:rPr lang="en-US" dirty="0"/>
-              <a:t> 		 &lt;div class="col-*-*"&gt;&lt;/div&gt;</a:t>
-            </a:r>
-            <a:br>
-              <a:rPr lang="en-US" dirty="0"/>
-            </a:br>
-            <a:r>
-              <a:rPr lang="en-US" dirty="0"/>
-              <a:t>	&lt;/div&gt;</a:t>
-            </a:r>
-            <a:br>
-              <a:rPr lang="en-US" dirty="0"/>
-            </a:br>
-            <a:r>
-              <a:rPr lang="en-US" dirty="0"/>
-              <a:t>	&lt;div class="row"&gt;</a:t>
-            </a:r>
-            <a:br>
-              <a:rPr lang="en-US" dirty="0"/>
-            </a:br>
-            <a:r>
-              <a:rPr lang="en-US" dirty="0"/>
-              <a:t>  		&lt;div class="col-*-*"&gt;&lt;/div&gt;</a:t>
-            </a:r>
-            <a:br>
-              <a:rPr lang="en-US" dirty="0"/>
-            </a:br>
-            <a:r>
-              <a:rPr lang="en-US" dirty="0"/>
-              <a:t>  		&lt;div class="col-*-*"&gt;&lt;/div&gt;</a:t>
-            </a:r>
-            <a:br>
-              <a:rPr lang="en-US" dirty="0"/>
-            </a:br>
-            <a:r>
-              <a:rPr lang="en-US" dirty="0"/>
-              <a:t> 		&lt;div class="col-*-*"&gt;&lt;/div&gt;</a:t>
-            </a:r>
-            <a:br>
-              <a:rPr lang="en-US" dirty="0"/>
-            </a:br>
-            <a:r>
-              <a:rPr lang="en-US" dirty="0"/>
-              <a:t>	&lt;/div&gt;</a:t>
-            </a:r>
-            <a:br>
-              <a:rPr lang="en-US" dirty="0"/>
-            </a:br>
-            <a:r>
-              <a:rPr lang="en-US" dirty="0"/>
-              <a:t>&lt;/div</a:t>
-            </a:r>
-            <a:r>
-              <a:rPr lang="en-US" dirty="0" smtClean="0"/>
-              <a:t>&gt;</a:t>
-            </a:r>
-          </a:p>
-          <a:p>
-            <a:endParaRPr lang="en-US" dirty="0"/>
-          </a:p>
-          <a:p>
-            <a:pPr marL="0" indent="0">
-              <a:buNone/>
-            </a:pPr>
-            <a:r>
-              <a:rPr lang="en-US" dirty="0" err="1" smtClean="0"/>
-              <a:t>md,lg,sm</a:t>
+              <a:t>Karthik</a:t>
             </a:r>
             <a:endParaRPr lang="en-US" dirty="0"/>
           </a:p>
@@ -8936,13 +9290,20 @@
     </p:spTree>
     <p:extLst>
       <p:ext uri="{BB962C8B-B14F-4D97-AF65-F5344CB8AC3E}">
-        <p14:creationId xmlns:p14="http://schemas.microsoft.com/office/powerpoint/2010/main" val="1997084875"/>
+        <p14:creationId xmlns:p14="http://schemas.microsoft.com/office/powerpoint/2010/main" val="3872303447"/>
       </p:ext>
     </p:extLst>
   </p:cSld>
   <p:clrMapOvr>
     <a:masterClrMapping/>
   </p:clrMapOvr>
+  <p:timing>
+    <p:tnLst>
+      <p:par>
+        <p:cTn id="1" dur="indefinite" restart="never" nodeType="tmRoot"/>
+      </p:par>
+    </p:tnLst>
+  </p:timing>
 </p:sld>
 </file>
 
@@ -8979,32 +9340,217 @@
           <a:lstStyle/>
           <a:p>
             <a:r>
+              <a:rPr lang="en-US" dirty="0" smtClean="0"/>
+              <a:t>CSS Styling Images</a:t>
+            </a:r>
+            <a:endParaRPr lang="en-US" dirty="0"/>
+          </a:p>
+        </p:txBody>
+      </p:sp>
+      <p:sp>
+        <p:nvSpPr>
+          <p:cNvPr id="3" name="Content Placeholder 2"/>
+          <p:cNvSpPr>
+            <a:spLocks noGrp="1"/>
+          </p:cNvSpPr>
+          <p:nvPr>
+            <p:ph idx="1"/>
+          </p:nvPr>
+        </p:nvSpPr>
+        <p:spPr/>
+        <p:txBody>
+          <a:bodyPr>
+            <a:normAutofit/>
+          </a:bodyPr>
+          <a:lstStyle/>
+          <a:p>
+            <a:r>
+              <a:rPr lang="en-US" dirty="0" smtClean="0"/>
+              <a:t>Animated Buttons: Press effect, Grow effect, spread effect</a:t>
+            </a:r>
+          </a:p>
+          <a:p>
+            <a:r>
+              <a:rPr lang="en-US" dirty="0" smtClean="0"/>
+              <a:t>Infinite scrolling background</a:t>
+            </a:r>
+          </a:p>
+          <a:p>
+            <a:r>
+              <a:rPr lang="en-US" dirty="0" smtClean="0"/>
+              <a:t>Coordinates</a:t>
+            </a:r>
+          </a:p>
+          <a:p>
+            <a:pPr marL="0" indent="0">
+              <a:buNone/>
+            </a:pPr>
+            <a:r>
+              <a:rPr lang="en-US" dirty="0"/>
+              <a:t>〈map name="</a:t>
+            </a:r>
+            <a:r>
+              <a:rPr lang="en-US" dirty="0" err="1"/>
+              <a:t>planetmap</a:t>
+            </a:r>
+            <a:r>
+              <a:rPr lang="en-US" dirty="0"/>
+              <a:t>"〉</a:t>
+            </a:r>
+            <a:br>
+              <a:rPr lang="en-US" dirty="0"/>
+            </a:br>
+            <a:r>
+              <a:rPr lang="en-US" dirty="0"/>
+              <a:t>〈area shape="</a:t>
+            </a:r>
+            <a:r>
+              <a:rPr lang="en-US" dirty="0" err="1"/>
+              <a:t>rect</a:t>
+            </a:r>
+            <a:r>
+              <a:rPr lang="en-US" dirty="0"/>
+              <a:t>" </a:t>
+            </a:r>
+            <a:r>
+              <a:rPr lang="en-US" dirty="0" err="1"/>
+              <a:t>coords</a:t>
+            </a:r>
+            <a:r>
+              <a:rPr lang="en-US" dirty="0"/>
+              <a:t>="0,0,82,126" alt="Sun" </a:t>
+            </a:r>
+            <a:r>
+              <a:rPr lang="en-US" dirty="0" err="1"/>
+              <a:t>href</a:t>
+            </a:r>
+            <a:r>
+              <a:rPr lang="en-US" dirty="0"/>
+              <a:t>="sun.htm"〉</a:t>
+            </a:r>
+            <a:br>
+              <a:rPr lang="en-US" dirty="0"/>
+            </a:br>
+            <a:r>
+              <a:rPr lang="en-US" dirty="0"/>
+              <a:t>〈area shape="circle" </a:t>
+            </a:r>
+            <a:r>
+              <a:rPr lang="en-US" dirty="0" err="1"/>
+              <a:t>coords</a:t>
+            </a:r>
+            <a:r>
+              <a:rPr lang="en-US" dirty="0"/>
+              <a:t>="90,58,3" alt="Mercury" </a:t>
+            </a:r>
+            <a:r>
+              <a:rPr lang="en-US" dirty="0" err="1"/>
+              <a:t>href</a:t>
+            </a:r>
+            <a:r>
+              <a:rPr lang="en-US" dirty="0"/>
+              <a:t>="mercur.htm"〉</a:t>
+            </a:r>
+            <a:br>
+              <a:rPr lang="en-US" dirty="0"/>
+            </a:br>
+            <a:r>
+              <a:rPr lang="en-US" dirty="0"/>
+              <a:t>〈area shape="circle" </a:t>
+            </a:r>
+            <a:r>
+              <a:rPr lang="en-US" dirty="0" err="1"/>
+              <a:t>coords</a:t>
+            </a:r>
+            <a:r>
+              <a:rPr lang="en-US" dirty="0"/>
+              <a:t>="124,58,8" alt="Venus" </a:t>
+            </a:r>
+            <a:r>
+              <a:rPr lang="en-US" dirty="0" err="1"/>
+              <a:t>href</a:t>
+            </a:r>
+            <a:r>
+              <a:rPr lang="en-US" dirty="0"/>
+              <a:t>="venus.htm"〉</a:t>
+            </a:r>
+            <a:br>
+              <a:rPr lang="en-US" dirty="0"/>
+            </a:br>
+            <a:r>
+              <a:rPr lang="en-US" dirty="0"/>
+              <a:t>〈/map〉</a:t>
+            </a:r>
+          </a:p>
+        </p:txBody>
+      </p:sp>
+      <p:pic>
+        <p:nvPicPr>
+          <p:cNvPr id="2050" name="Picture 2" descr="https://attachment.outlook.office.net/owa/S523323@nwmissouri.edu/service.svc/s/GetFileAttachment?id=AAMkADRkOWM3NjgxLTA0OGQtNDI5MC04NzdjLTYwMGM5NmNmODFjMQBGAAAAAADNEAfTDTg%2FS48VFtAG8jn1BwBgDdcgV0GdQqCQqsmQbkDfAAAAAAEMAABgDdcgV0GdQqCQqsmQbkDfAAFnXeqgAAABEgAQAMjSRDhHkwNOpOjw3AtYov8%3D&amp;X-OWA-CANARY=7uLY6JEKSU2DOC0nFQl5upCNitJaRNYY4wxHDzAg8qVCgei5lfBvbj7lmKj-a7LfZ4ExdKjcOik.&amp;token=eyJhbGciOiJSUzI1NiIsImtpZCI6IjA2MDBGOUY2NzQ2MjA3MzdFNzM0MDRFMjg3QzQ1QTgxOENCN0NFQjgiLCJ4NXQiOiJCZ0Q1OW5SaUJ6Zm5OQVRpaDhSYWdZeTN6cmciLCJ0eXAiOiJKV1QifQ.eyJ2ZXIiOiJFeGNoYW5nZS5DYWxsYmFjay5WMSIsImFwcGN0eHNlbmRlciI6Ik93YURvd25sb2FkQDczMzUwMTFmLTE3NDgtNDkwMi04ZGVlLTZmNGRhYzAzNjg1OSIsImFwcGN0eCI6IntcIm1zZXhjaHByb3RcIjpcIm93YVwiLFwicHJpbWFyeXNpZFwiOlwiUy0xLTUtMjEtMjg3MDAwOTg0Ni0zMDc5NzU5Mzg0LTI2NjAwNzg4MDMtMTIyMTUyNTFcIixcInB1aWRcIjpcIjExNTM5NzcwMjU1OTA3NDI5NDVcIixcIm9pZFwiOlwiY2QxMzZiY2ItMTU4Mi00ZjY3LThiMzEtMWM0MWZmNWEwOGZlXCIsXCJzY29wZVwiOlwiT3dhRG93bmxvYWRcIn0iLCJuYmYiOjE1NDE1NTg2MTYsImV4cCI6MTU0MTU1OTIxNiwiaXNzIjoiMDAwMDAwMDItMDAwMC0wZmYxLWNlMDAtMDAwMDAwMDAwMDAwQDczMzUwMTFmLTE3NDgtNDkwMi04ZGVlLTZmNGRhYzAzNjg1OSIsImF1ZCI6IjAwMDAwMDAyLTAwMDAtMGZmMS1jZTAwLTAwMDAwMDAwMDAwMC9hdHRhY2htZW50Lm91dGxvb2sub2ZmaWNlLm5ldEA3MzM1MDExZi0xNzQ4LTQ5MDItOGRlZS02ZjRkYWMwMzY4NTkifQ.nSCbgpl-9tE7BXqzHo3WazQDKjhLeTzIviH-1Fz8Ct57Gn6L3MpqENQ9EHraxJWHz3DuzxzrubZ5BWeior7SqPZMb6Nv9GUncLdsI3Tw8hcW4X0OepMYobXeN1fTIVrNcj2BuqM5DnT6gq7R-fhj7nUIaUiydClZ15FUuqvduwvg8pwXdvRz_vEP01SwGyrwiQ72TNWgE0a81OkP0pniD_7XCbGFydBJvSk1F5tY9q1WA8s-X50smlPDQdFT-SQNMr07oIy9fLpaJf1TgYL82ePgRQzUPUg6UgEs7aglzO1PKtbAfCOO7g7nuGT8gcBTOLaQovOjJIiz1Ucimw5ZAA&amp;owa=outlook.office.com&amp;isImagePreview=True"/>
+          <p:cNvPicPr>
+            <a:picLocks noChangeAspect="1" noChangeArrowheads="1"/>
+          </p:cNvPicPr>
+          <p:nvPr/>
+        </p:nvPicPr>
+        <p:blipFill>
+          <a:blip r:embed="rId2">
+            <a:extLst>
+              <a:ext uri="{28A0092B-C50C-407E-A947-70E740481C1C}">
+                <a14:useLocalDpi xmlns:a14="http://schemas.microsoft.com/office/drawing/2010/main" val="0"/>
+              </a:ext>
+            </a:extLst>
+          </a:blip>
+          <a:srcRect/>
+          <a:stretch>
+            <a:fillRect/>
+          </a:stretch>
+        </p:blipFill>
+        <p:spPr bwMode="auto">
+          <a:xfrm>
+            <a:off x="10133191" y="4269472"/>
+            <a:ext cx="2058809" cy="2144709"/>
+          </a:xfrm>
+          <a:prstGeom prst="rect">
+            <a:avLst/>
+          </a:prstGeom>
+          <a:noFill/>
+          <a:extLst>
+            <a:ext uri="{909E8E84-426E-40DD-AFC4-6F175D3DCCD1}">
+              <a14:hiddenFill xmlns:a14="http://schemas.microsoft.com/office/drawing/2010/main">
+                <a:solidFill>
+                  <a:srgbClr val="FFFFFF"/>
+                </a:solidFill>
+              </a14:hiddenFill>
+            </a:ext>
+          </a:extLst>
+        </p:spPr>
+      </p:pic>
+      <p:sp>
+        <p:nvSpPr>
+          <p:cNvPr id="4" name="TextBox 3"/>
+          <p:cNvSpPr txBox="1"/>
+          <p:nvPr/>
+        </p:nvSpPr>
+        <p:spPr>
+          <a:xfrm>
+            <a:off x="11265244" y="6488668"/>
+            <a:ext cx="926756" cy="369332"/>
+          </a:xfrm>
+          <a:prstGeom prst="rect">
+            <a:avLst/>
+          </a:prstGeom>
+          <a:noFill/>
+        </p:spPr>
+        <p:txBody>
+          <a:bodyPr wrap="square" rtlCol="0">
+            <a:spAutoFit/>
+          </a:bodyPr>
+          <a:lstStyle/>
+          <a:p>
+            <a:r>
               <a:rPr lang="en-US" dirty="0" err="1" smtClean="0"/>
-              <a:t>BootStrap</a:t>
-            </a:r>
-            <a:r>
-              <a:rPr lang="en-US" dirty="0" smtClean="0"/>
-              <a:t> Carousel</a:t>
-            </a:r>
-            <a:endParaRPr lang="en-US" dirty="0"/>
-          </a:p>
-        </p:txBody>
-      </p:sp>
-      <p:sp>
-        <p:nvSpPr>
-          <p:cNvPr id="3" name="Content Placeholder 2"/>
-          <p:cNvSpPr>
-            <a:spLocks noGrp="1"/>
-          </p:cNvSpPr>
-          <p:nvPr>
-            <p:ph idx="1"/>
-          </p:nvPr>
-        </p:nvSpPr>
-        <p:spPr/>
-        <p:txBody>
-          <a:bodyPr/>
-          <a:lstStyle/>
-          <a:p>
+              <a:t>Karthik</a:t>
+            </a:r>
             <a:endParaRPr lang="en-US" dirty="0"/>
           </a:p>
         </p:txBody>
@@ -9012,13 +9558,20 @@
     </p:spTree>
     <p:extLst>
       <p:ext uri="{BB962C8B-B14F-4D97-AF65-F5344CB8AC3E}">
-        <p14:creationId xmlns:p14="http://schemas.microsoft.com/office/powerpoint/2010/main" val="4234795707"/>
+        <p14:creationId xmlns:p14="http://schemas.microsoft.com/office/powerpoint/2010/main" val="1414585290"/>
       </p:ext>
     </p:extLst>
   </p:cSld>
   <p:clrMapOvr>
     <a:masterClrMapping/>
   </p:clrMapOvr>
+  <p:timing>
+    <p:tnLst>
+      <p:par>
+        <p:cTn id="1" dur="indefinite" restart="never" nodeType="tmRoot"/>
+      </p:par>
+    </p:tnLst>
+  </p:timing>
 </p:sld>
 </file>
 
@@ -9055,9 +9608,10 @@
           <a:lstStyle/>
           <a:p>
             <a:r>
-              <a:rPr lang="en-US" dirty="0"/>
-              <a:t>Advantages of material design</a:t>
-            </a:r>
+              <a:rPr lang="en-US" dirty="0" smtClean="0"/>
+              <a:t>General CSS Design Tips</a:t>
+            </a:r>
+            <a:endParaRPr lang="en-US" dirty="0"/>
           </a:p>
         </p:txBody>
       </p:sp>
@@ -9076,54 +9630,80 @@
           <a:bodyPr/>
           <a:lstStyle/>
           <a:p>
-            <a:pPr fontAlgn="base"/>
-            <a:r>
-              <a:rPr lang="en-US" b="1" dirty="0"/>
-              <a:t>Branding</a:t>
-            </a:r>
-            <a:endParaRPr lang="en-US" dirty="0"/>
-          </a:p>
-          <a:p>
-            <a:pPr fontAlgn="base"/>
-            <a:r>
-              <a:rPr lang="en-US" dirty="0"/>
-              <a:t>Material design uses flat and light objects. It requires just two to three colors to brand the entire APP. material design is easy to brand the APPs you develop</a:t>
-            </a:r>
-          </a:p>
-          <a:p>
-            <a:pPr fontAlgn="base"/>
-            <a:r>
-              <a:rPr lang="en-US" b="1" dirty="0"/>
-              <a:t>User Engagement</a:t>
-            </a:r>
-            <a:endParaRPr lang="en-US" dirty="0"/>
-          </a:p>
-          <a:p>
-            <a:pPr fontAlgn="base"/>
-            <a:r>
-              <a:rPr lang="en-US" dirty="0"/>
-              <a:t>In the era of Internet it is very important to engage users. You have to constantly communicate with users through your APP. User Engagement is one of the key factors to success.</a:t>
-            </a:r>
-          </a:p>
-          <a:p>
-            <a:pPr fontAlgn="base"/>
-            <a:endParaRPr lang="en-US" dirty="0"/>
-          </a:p>
-          <a:p>
-            <a:endParaRPr lang="en-US" dirty="0"/>
-          </a:p>
-        </p:txBody>
-      </p:sp>
-      <p:sp>
-        <p:nvSpPr>
-          <p:cNvPr id="4" name="TextBox 3"/>
+            <a:r>
+              <a:rPr lang="en-US" dirty="0" smtClean="0"/>
+              <a:t>Be consistent in your design and make sure it’s user friendly</a:t>
+            </a:r>
+          </a:p>
+          <a:p>
+            <a:r>
+              <a:rPr lang="en-US" dirty="0" smtClean="0"/>
+              <a:t>Use !important when you want to force a style without it being overwritten.</a:t>
+            </a:r>
+          </a:p>
+          <a:p>
+            <a:endParaRPr lang="en-US" dirty="0"/>
+          </a:p>
+          <a:p>
+            <a:endParaRPr lang="en-US" dirty="0" smtClean="0"/>
+          </a:p>
+          <a:p>
+            <a:r>
+              <a:rPr lang="en-US" dirty="0" smtClean="0"/>
+              <a:t>Use shorthand if you want to save space in your code</a:t>
+            </a:r>
+          </a:p>
+          <a:p>
+            <a:endParaRPr lang="en-US" dirty="0"/>
+          </a:p>
+          <a:p>
+            <a:endParaRPr lang="en-US" dirty="0" smtClean="0"/>
+          </a:p>
+          <a:p>
+            <a:endParaRPr lang="en-US" dirty="0" smtClean="0"/>
+          </a:p>
+          <a:p>
+            <a:endParaRPr lang="en-US" dirty="0" smtClean="0"/>
+          </a:p>
+          <a:p>
+            <a:endParaRPr lang="en-US" dirty="0"/>
+          </a:p>
+        </p:txBody>
+      </p:sp>
+      <p:pic>
+        <p:nvPicPr>
+          <p:cNvPr id="4" name="Picture 3"/>
+          <p:cNvPicPr>
+            <a:picLocks noChangeAspect="1"/>
+          </p:cNvPicPr>
+          <p:nvPr/>
+        </p:nvPicPr>
+        <p:blipFill>
+          <a:blip r:embed="rId2"/>
+          <a:stretch>
+            <a:fillRect/>
+          </a:stretch>
+        </p:blipFill>
+        <p:spPr>
+          <a:xfrm>
+            <a:off x="680321" y="3565138"/>
+            <a:ext cx="9488587" cy="571393"/>
+          </a:xfrm>
+          <a:prstGeom prst="rect">
+            <a:avLst/>
+          </a:prstGeom>
+        </p:spPr>
+      </p:pic>
+      <p:sp>
+        <p:nvSpPr>
+          <p:cNvPr id="8" name="TextBox 7"/>
           <p:cNvSpPr txBox="1"/>
           <p:nvPr/>
         </p:nvSpPr>
         <p:spPr>
           <a:xfrm>
-            <a:off x="11306432" y="6488668"/>
-            <a:ext cx="1482811" cy="369332"/>
+            <a:off x="11392929" y="6476311"/>
+            <a:ext cx="1260390" cy="369332"/>
           </a:xfrm>
           <a:prstGeom prst="rect">
             <a:avLst/>
@@ -9137,17 +9717,16 @@
           <a:lstStyle/>
           <a:p>
             <a:r>
-              <a:rPr lang="en-US" dirty="0" err="1" smtClean="0"/>
-              <a:t>Karthik</a:t>
-            </a:r>
-            <a:endParaRPr lang="en-US" dirty="0"/>
+              <a:rPr lang="en-US" dirty="0"/>
+              <a:t>Surya</a:t>
+            </a:r>
           </a:p>
         </p:txBody>
       </p:sp>
     </p:spTree>
     <p:extLst>
       <p:ext uri="{BB962C8B-B14F-4D97-AF65-F5344CB8AC3E}">
-        <p14:creationId xmlns:p14="http://schemas.microsoft.com/office/powerpoint/2010/main" val="3872303447"/>
+        <p14:creationId xmlns:p14="http://schemas.microsoft.com/office/powerpoint/2010/main" val="892624214"/>
       </p:ext>
     </p:extLst>
   </p:cSld>
@@ -9198,200 +9777,78 @@
           <a:p>
             <a:r>
               <a:rPr lang="en-US" dirty="0" smtClean="0"/>
-              <a:t>CSS Styling Images</a:t>
-            </a:r>
-            <a:endParaRPr lang="en-US" dirty="0"/>
-          </a:p>
-        </p:txBody>
-      </p:sp>
-      <p:sp>
-        <p:nvSpPr>
-          <p:cNvPr id="3" name="Content Placeholder 2"/>
-          <p:cNvSpPr>
-            <a:spLocks noGrp="1"/>
-          </p:cNvSpPr>
-          <p:nvPr>
-            <p:ph idx="1"/>
-          </p:nvPr>
-        </p:nvSpPr>
-        <p:spPr/>
-        <p:txBody>
-          <a:bodyPr>
-            <a:normAutofit/>
-          </a:bodyPr>
-          <a:lstStyle/>
-          <a:p>
-            <a:r>
-              <a:rPr lang="en-US" dirty="0" smtClean="0"/>
-              <a:t>Animated Buttons: Press effect, Grow effect, spread effect</a:t>
-            </a:r>
-          </a:p>
-          <a:p>
-            <a:r>
-              <a:rPr lang="en-US" dirty="0" smtClean="0"/>
-              <a:t>Infinite scrolling background</a:t>
-            </a:r>
-          </a:p>
-          <a:p>
-            <a:r>
-              <a:rPr lang="en-US" dirty="0" smtClean="0"/>
-              <a:t>Coordinates</a:t>
-            </a:r>
-          </a:p>
-          <a:p>
-            <a:pPr marL="0" indent="0">
-              <a:buNone/>
-            </a:pPr>
-            <a:r>
-              <a:rPr lang="en-US" dirty="0"/>
-              <a:t>〈map name="</a:t>
-            </a:r>
-            <a:r>
-              <a:rPr lang="en-US" dirty="0" err="1"/>
-              <a:t>planetmap</a:t>
-            </a:r>
-            <a:r>
-              <a:rPr lang="en-US" dirty="0"/>
-              <a:t>"〉</a:t>
-            </a:r>
-            <a:br>
-              <a:rPr lang="en-US" dirty="0"/>
-            </a:br>
-            <a:r>
-              <a:rPr lang="en-US" dirty="0"/>
-              <a:t>〈area shape="</a:t>
-            </a:r>
-            <a:r>
-              <a:rPr lang="en-US" dirty="0" err="1"/>
-              <a:t>rect</a:t>
-            </a:r>
-            <a:r>
-              <a:rPr lang="en-US" dirty="0"/>
-              <a:t>" </a:t>
-            </a:r>
-            <a:r>
-              <a:rPr lang="en-US" dirty="0" err="1"/>
-              <a:t>coords</a:t>
-            </a:r>
-            <a:r>
-              <a:rPr lang="en-US" dirty="0"/>
-              <a:t>="0,0,82,126" alt="Sun" </a:t>
-            </a:r>
-            <a:r>
-              <a:rPr lang="en-US" dirty="0" err="1"/>
-              <a:t>href</a:t>
-            </a:r>
-            <a:r>
-              <a:rPr lang="en-US" dirty="0"/>
-              <a:t>="sun.htm"〉</a:t>
-            </a:r>
-            <a:br>
-              <a:rPr lang="en-US" dirty="0"/>
-            </a:br>
-            <a:r>
-              <a:rPr lang="en-US" dirty="0"/>
-              <a:t>〈area shape="circle" </a:t>
-            </a:r>
-            <a:r>
-              <a:rPr lang="en-US" dirty="0" err="1"/>
-              <a:t>coords</a:t>
-            </a:r>
-            <a:r>
-              <a:rPr lang="en-US" dirty="0"/>
-              <a:t>="90,58,3" alt="Mercury" </a:t>
-            </a:r>
-            <a:r>
-              <a:rPr lang="en-US" dirty="0" err="1"/>
-              <a:t>href</a:t>
-            </a:r>
-            <a:r>
-              <a:rPr lang="en-US" dirty="0"/>
-              <a:t>="mercur.htm"〉</a:t>
-            </a:r>
-            <a:br>
-              <a:rPr lang="en-US" dirty="0"/>
-            </a:br>
-            <a:r>
-              <a:rPr lang="en-US" dirty="0"/>
-              <a:t>〈area shape="circle" </a:t>
-            </a:r>
-            <a:r>
-              <a:rPr lang="en-US" dirty="0" err="1"/>
-              <a:t>coords</a:t>
-            </a:r>
-            <a:r>
-              <a:rPr lang="en-US" dirty="0"/>
-              <a:t>="124,58,8" alt="Venus" </a:t>
-            </a:r>
-            <a:r>
-              <a:rPr lang="en-US" dirty="0" err="1"/>
-              <a:t>href</a:t>
-            </a:r>
-            <a:r>
-              <a:rPr lang="en-US" dirty="0"/>
-              <a:t>="venus.htm"〉</a:t>
-            </a:r>
-            <a:br>
-              <a:rPr lang="en-US" dirty="0"/>
-            </a:br>
-            <a:r>
-              <a:rPr lang="en-US" dirty="0"/>
-              <a:t>〈/map〉</a:t>
-            </a:r>
+              <a:t>Inserting Image</a:t>
+            </a:r>
+            <a:endParaRPr lang="en-US" dirty="0"/>
           </a:p>
         </p:txBody>
       </p:sp>
       <p:pic>
         <p:nvPicPr>
-          <p:cNvPr id="2050" name="Picture 2" descr="https://attachment.outlook.office.net/owa/S523323@nwmissouri.edu/service.svc/s/GetFileAttachment?id=AAMkADRkOWM3NjgxLTA0OGQtNDI5MC04NzdjLTYwMGM5NmNmODFjMQBGAAAAAADNEAfTDTg%2FS48VFtAG8jn1BwBgDdcgV0GdQqCQqsmQbkDfAAAAAAEMAABgDdcgV0GdQqCQqsmQbkDfAAFnXeqgAAABEgAQAMjSRDhHkwNOpOjw3AtYov8%3D&amp;X-OWA-CANARY=7uLY6JEKSU2DOC0nFQl5upCNitJaRNYY4wxHDzAg8qVCgei5lfBvbj7lmKj-a7LfZ4ExdKjcOik.&amp;token=eyJhbGciOiJSUzI1NiIsImtpZCI6IjA2MDBGOUY2NzQ2MjA3MzdFNzM0MDRFMjg3QzQ1QTgxOENCN0NFQjgiLCJ4NXQiOiJCZ0Q1OW5SaUJ6Zm5OQVRpaDhSYWdZeTN6cmciLCJ0eXAiOiJKV1QifQ.eyJ2ZXIiOiJFeGNoYW5nZS5DYWxsYmFjay5WMSIsImFwcGN0eHNlbmRlciI6Ik93YURvd25sb2FkQDczMzUwMTFmLTE3NDgtNDkwMi04ZGVlLTZmNGRhYzAzNjg1OSIsImFwcGN0eCI6IntcIm1zZXhjaHByb3RcIjpcIm93YVwiLFwicHJpbWFyeXNpZFwiOlwiUy0xLTUtMjEtMjg3MDAwOTg0Ni0zMDc5NzU5Mzg0LTI2NjAwNzg4MDMtMTIyMTUyNTFcIixcInB1aWRcIjpcIjExNTM5NzcwMjU1OTA3NDI5NDVcIixcIm9pZFwiOlwiY2QxMzZiY2ItMTU4Mi00ZjY3LThiMzEtMWM0MWZmNWEwOGZlXCIsXCJzY29wZVwiOlwiT3dhRG93bmxvYWRcIn0iLCJuYmYiOjE1NDE1NTg2MTYsImV4cCI6MTU0MTU1OTIxNiwiaXNzIjoiMDAwMDAwMDItMDAwMC0wZmYxLWNlMDAtMDAwMDAwMDAwMDAwQDczMzUwMTFmLTE3NDgtNDkwMi04ZGVlLTZmNGRhYzAzNjg1OSIsImF1ZCI6IjAwMDAwMDAyLTAwMDAtMGZmMS1jZTAwLTAwMDAwMDAwMDAwMC9hdHRhY2htZW50Lm91dGxvb2sub2ZmaWNlLm5ldEA3MzM1MDExZi0xNzQ4LTQ5MDItOGRlZS02ZjRkYWMwMzY4NTkifQ.nSCbgpl-9tE7BXqzHo3WazQDKjhLeTzIviH-1Fz8Ct57Gn6L3MpqENQ9EHraxJWHz3DuzxzrubZ5BWeior7SqPZMb6Nv9GUncLdsI3Tw8hcW4X0OepMYobXeN1fTIVrNcj2BuqM5DnT6gq7R-fhj7nUIaUiydClZ15FUuqvduwvg8pwXdvRz_vEP01SwGyrwiQ72TNWgE0a81OkP0pniD_7XCbGFydBJvSk1F5tY9q1WA8s-X50smlPDQdFT-SQNMr07oIy9fLpaJf1TgYL82ePgRQzUPUg6UgEs7aglzO1PKtbAfCOO7g7nuGT8gcBTOLaQovOjJIiz1Ucimw5ZAA&amp;owa=outlook.office.com&amp;isImagePreview=True"/>
+          <p:cNvPr id="4" name="Content Placeholder 3"/>
           <p:cNvPicPr>
-            <a:picLocks noChangeAspect="1" noChangeArrowheads="1"/>
+            <a:picLocks noGrp="1" noChangeAspect="1"/>
           </p:cNvPicPr>
-          <p:nvPr/>
+          <p:nvPr>
+            <p:ph idx="1"/>
+          </p:nvPr>
         </p:nvPicPr>
         <p:blipFill>
-          <a:blip r:embed="rId2">
-            <a:extLst>
-              <a:ext uri="{28A0092B-C50C-407E-A947-70E740481C1C}">
-                <a14:useLocalDpi xmlns:a14="http://schemas.microsoft.com/office/drawing/2010/main" val="0"/>
-              </a:ext>
-            </a:extLst>
-          </a:blip>
-          <a:srcRect/>
+          <a:blip r:embed="rId2"/>
           <a:stretch>
             <a:fillRect/>
           </a:stretch>
         </p:blipFill>
-        <p:spPr bwMode="auto">
-          <a:xfrm>
-            <a:off x="10133191" y="4269472"/>
-            <a:ext cx="2058809" cy="2144709"/>
+        <p:spPr>
+          <a:xfrm>
+            <a:off x="5955330" y="2421924"/>
+            <a:ext cx="4338852" cy="2594919"/>
+          </a:xfrm>
+          <a:prstGeom prst="rect">
+            <a:avLst/>
+          </a:prstGeom>
+        </p:spPr>
+      </p:pic>
+      <p:sp>
+        <p:nvSpPr>
+          <p:cNvPr id="5" name="TextBox 4"/>
+          <p:cNvSpPr txBox="1"/>
+          <p:nvPr/>
+        </p:nvSpPr>
+        <p:spPr>
+          <a:xfrm>
+            <a:off x="680321" y="2619632"/>
+            <a:ext cx="4694868" cy="1200329"/>
           </a:xfrm>
           <a:prstGeom prst="rect">
             <a:avLst/>
           </a:prstGeom>
           <a:noFill/>
-          <a:extLst>
-            <a:ext uri="{909E8E84-426E-40DD-AFC4-6F175D3DCCD1}">
-              <a14:hiddenFill xmlns:a14="http://schemas.microsoft.com/office/drawing/2010/main">
-                <a:solidFill>
-                  <a:srgbClr val="FFFFFF"/>
-                </a:solidFill>
-              </a14:hiddenFill>
-            </a:ext>
-          </a:extLst>
-        </p:spPr>
-      </p:pic>
-      <p:sp>
-        <p:nvSpPr>
-          <p:cNvPr id="4" name="TextBox 3"/>
+        </p:spPr>
+        <p:txBody>
+          <a:bodyPr wrap="square" rtlCol="0">
+            <a:spAutoFit/>
+          </a:bodyPr>
+          <a:lstStyle/>
+          <a:p>
+            <a:r>
+              <a:rPr lang="en-US" dirty="0" smtClean="0"/>
+              <a:t>text-indent:-9999px; throws your text title off screen, replaced by an image declared by background:{…} with a fixed width and height.</a:t>
+            </a:r>
+            <a:endParaRPr lang="en-US" dirty="0"/>
+          </a:p>
+        </p:txBody>
+      </p:sp>
+      <p:sp>
+        <p:nvSpPr>
+          <p:cNvPr id="6" name="TextBox 5"/>
           <p:cNvSpPr txBox="1"/>
           <p:nvPr/>
         </p:nvSpPr>
         <p:spPr>
           <a:xfrm>
-            <a:off x="11265244" y="6488668"/>
-            <a:ext cx="926756" cy="369332"/>
+            <a:off x="11355859" y="6463955"/>
+            <a:ext cx="1021492" cy="369332"/>
           </a:xfrm>
           <a:prstGeom prst="rect">
             <a:avLst/>
@@ -9405,17 +9862,16 @@
           <a:lstStyle/>
           <a:p>
             <a:r>
-              <a:rPr lang="en-US" dirty="0" err="1" smtClean="0"/>
-              <a:t>Karthik</a:t>
-            </a:r>
-            <a:endParaRPr lang="en-US" dirty="0"/>
+              <a:rPr lang="en-US" dirty="0"/>
+              <a:t>Surya</a:t>
+            </a:r>
           </a:p>
         </p:txBody>
       </p:sp>
     </p:spTree>
     <p:extLst>
       <p:ext uri="{BB962C8B-B14F-4D97-AF65-F5344CB8AC3E}">
-        <p14:creationId xmlns:p14="http://schemas.microsoft.com/office/powerpoint/2010/main" val="1414585290"/>
+        <p14:creationId xmlns:p14="http://schemas.microsoft.com/office/powerpoint/2010/main" val="2544022849"/>
       </p:ext>
     </p:extLst>
   </p:cSld>
@@ -9466,7 +9922,7 @@
           <a:p>
             <a:r>
               <a:rPr lang="en-US" dirty="0" smtClean="0"/>
-              <a:t>General CSS Design Tips</a:t>
+              <a:t>CSS Animations</a:t>
             </a:r>
             <a:endParaRPr lang="en-US" dirty="0"/>
           </a:p>
@@ -9484,83 +9940,83 @@
         </p:nvSpPr>
         <p:spPr/>
         <p:txBody>
-          <a:bodyPr/>
+          <a:bodyPr>
+            <a:normAutofit/>
+          </a:bodyPr>
           <a:lstStyle/>
           <a:p>
             <a:r>
               <a:rPr lang="en-US" dirty="0" smtClean="0"/>
-              <a:t>Be consistent in your design and make sure it’s user friendly</a:t>
-            </a:r>
-          </a:p>
-          <a:p>
+              <a:t>An </a:t>
+            </a:r>
+            <a:r>
+              <a:rPr lang="en-US" dirty="0"/>
+              <a:t>animation </a:t>
+            </a:r>
             <a:r>
               <a:rPr lang="en-US" dirty="0" smtClean="0"/>
-              <a:t>Use !important when you want to force a style without it being overwritten.</a:t>
-            </a:r>
-          </a:p>
-          <a:p>
-            <a:endParaRPr lang="en-US" dirty="0"/>
-          </a:p>
-          <a:p>
-            <a:endParaRPr lang="en-US" dirty="0" smtClean="0"/>
-          </a:p>
-          <a:p>
+              <a:t>is </a:t>
+            </a:r>
+            <a:r>
+              <a:rPr lang="en-US" dirty="0"/>
+              <a:t>a visualization of change</a:t>
+            </a:r>
+          </a:p>
+          <a:p>
+            <a:r>
+              <a:rPr lang="en-US" dirty="0"/>
+              <a:t>An animation lets an element gradually change from one style to another</a:t>
+            </a:r>
             <a:r>
               <a:rPr lang="en-US" dirty="0" smtClean="0"/>
-              <a:t>Use shorthand if you want to save space in your code</a:t>
-            </a:r>
-          </a:p>
-          <a:p>
-            <a:endParaRPr lang="en-US" dirty="0"/>
-          </a:p>
-          <a:p>
-            <a:endParaRPr lang="en-US" dirty="0" smtClean="0"/>
-          </a:p>
-          <a:p>
-            <a:endParaRPr lang="en-US" dirty="0" smtClean="0"/>
-          </a:p>
-          <a:p>
-            <a:endParaRPr lang="en-US" dirty="0" smtClean="0"/>
-          </a:p>
-          <a:p>
-            <a:endParaRPr lang="en-US" dirty="0"/>
-          </a:p>
-        </p:txBody>
-      </p:sp>
-      <p:pic>
-        <p:nvPicPr>
-          <p:cNvPr id="4" name="Picture 3"/>
-          <p:cNvPicPr>
-            <a:picLocks noChangeAspect="1"/>
-          </p:cNvPicPr>
-          <p:nvPr/>
-        </p:nvPicPr>
-        <p:blipFill>
-          <a:blip r:embed="rId2"/>
-          <a:stretch>
-            <a:fillRect/>
-          </a:stretch>
-        </p:blipFill>
-        <p:spPr>
-          <a:xfrm>
-            <a:off x="680321" y="3565138"/>
-            <a:ext cx="9488587" cy="571393"/>
-          </a:xfrm>
-          <a:prstGeom prst="rect">
-            <a:avLst/>
-          </a:prstGeom>
-        </p:spPr>
-      </p:pic>
-      <p:sp>
-        <p:nvSpPr>
-          <p:cNvPr id="8" name="TextBox 7"/>
+              <a:t>. </a:t>
+            </a:r>
+          </a:p>
+          <a:p>
+            <a:r>
+              <a:rPr lang="en-US" dirty="0"/>
+              <a:t>To use CSS animation, you must first specify some </a:t>
+            </a:r>
+            <a:r>
+              <a:rPr lang="en-US" dirty="0" err="1"/>
+              <a:t>keyframes</a:t>
+            </a:r>
+            <a:r>
+              <a:rPr lang="en-US" dirty="0"/>
+              <a:t> for the animation</a:t>
+            </a:r>
+            <a:r>
+              <a:rPr lang="en-US" dirty="0" smtClean="0"/>
+              <a:t>.</a:t>
+            </a:r>
+          </a:p>
+          <a:p>
+            <a:r>
+              <a:rPr lang="en-US" dirty="0" err="1"/>
+              <a:t>Keyframes</a:t>
+            </a:r>
+            <a:r>
+              <a:rPr lang="en-US" dirty="0"/>
+              <a:t> hold what styles the element will have at certain times</a:t>
+            </a:r>
+            <a:r>
+              <a:rPr lang="en-US" dirty="0" smtClean="0"/>
+              <a:t>.</a:t>
+            </a:r>
+            <a:endParaRPr lang="en-US" dirty="0"/>
+          </a:p>
+        </p:txBody>
+      </p:sp>
+      <p:sp>
+        <p:nvSpPr>
+          <p:cNvPr id="4" name="TextBox 3"/>
           <p:cNvSpPr txBox="1"/>
           <p:nvPr/>
         </p:nvSpPr>
         <p:spPr>
           <a:xfrm>
-            <a:off x="11392929" y="6476311"/>
-            <a:ext cx="1260390" cy="369332"/>
+            <a:off x="11392930" y="6488668"/>
+            <a:ext cx="1169773" cy="369332"/>
           </a:xfrm>
           <a:prstGeom prst="rect">
             <a:avLst/>
@@ -9583,7 +10039,7 @@
     </p:spTree>
     <p:extLst>
       <p:ext uri="{BB962C8B-B14F-4D97-AF65-F5344CB8AC3E}">
-        <p14:creationId xmlns:p14="http://schemas.microsoft.com/office/powerpoint/2010/main" val="892624214"/>
+        <p14:creationId xmlns:p14="http://schemas.microsoft.com/office/powerpoint/2010/main" val="762067287"/>
       </p:ext>
     </p:extLst>
   </p:cSld>
@@ -9634,7 +10090,7 @@
           <a:p>
             <a:r>
               <a:rPr lang="en-US" dirty="0" smtClean="0"/>
-              <a:t>Inserting Image</a:t>
+              <a:t>Button Press Animation</a:t>
             </a:r>
             <a:endParaRPr lang="en-US" dirty="0"/>
           </a:p>
@@ -9642,7 +10098,7 @@
       </p:sp>
       <p:pic>
         <p:nvPicPr>
-          <p:cNvPr id="4" name="Content Placeholder 3"/>
+          <p:cNvPr id="5" name="Content Placeholder 4"/>
           <p:cNvPicPr>
             <a:picLocks noGrp="1" noChangeAspect="1"/>
           </p:cNvPicPr>
@@ -9651,15 +10107,42 @@
           </p:nvPr>
         </p:nvPicPr>
         <p:blipFill>
-          <a:blip r:embed="rId2"/>
+          <a:blip r:embed="rId2">
+            <a:extLst>
+              <a:ext uri="{28A0092B-C50C-407E-A947-70E740481C1C}">
+                <a14:useLocalDpi xmlns:a14="http://schemas.microsoft.com/office/drawing/2010/main" val="0"/>
+              </a:ext>
+            </a:extLst>
+          </a:blip>
           <a:stretch>
             <a:fillRect/>
           </a:stretch>
         </p:blipFill>
         <p:spPr>
           <a:xfrm>
-            <a:off x="5955330" y="2421924"/>
-            <a:ext cx="4338852" cy="2594919"/>
+            <a:off x="7821741" y="2782652"/>
+            <a:ext cx="2648105" cy="1566926"/>
+          </a:xfrm>
+        </p:spPr>
+      </p:pic>
+      <p:pic>
+        <p:nvPicPr>
+          <p:cNvPr id="4" name="Picture 3"/>
+          <p:cNvPicPr>
+            <a:picLocks noChangeAspect="1"/>
+          </p:cNvPicPr>
+          <p:nvPr/>
+        </p:nvPicPr>
+        <p:blipFill>
+          <a:blip r:embed="rId3"/>
+          <a:stretch>
+            <a:fillRect/>
+          </a:stretch>
+        </p:blipFill>
+        <p:spPr>
+          <a:xfrm>
+            <a:off x="680320" y="2336872"/>
+            <a:ext cx="6586843" cy="3606727"/>
           </a:xfrm>
           <a:prstGeom prst="rect">
             <a:avLst/>
@@ -9668,14 +10151,14 @@
       </p:pic>
       <p:sp>
         <p:nvSpPr>
-          <p:cNvPr id="5" name="TextBox 4"/>
+          <p:cNvPr id="6" name="TextBox 5"/>
           <p:cNvSpPr txBox="1"/>
           <p:nvPr/>
         </p:nvSpPr>
         <p:spPr>
           <a:xfrm>
-            <a:off x="680321" y="2619632"/>
-            <a:ext cx="4694868" cy="1200329"/>
+            <a:off x="11553567" y="6488668"/>
+            <a:ext cx="926757" cy="369332"/>
           </a:xfrm>
           <a:prstGeom prst="rect">
             <a:avLst/>
@@ -9690,45 +10173,16 @@
           <a:p>
             <a:r>
               <a:rPr lang="en-US" dirty="0" smtClean="0"/>
-              <a:t>text-indent:-9999px; throws your text title off screen, replaced by an image declared by background:{…} with a fixed width and height.</a:t>
-            </a:r>
-            <a:endParaRPr lang="en-US" dirty="0"/>
-          </a:p>
-        </p:txBody>
-      </p:sp>
-      <p:sp>
-        <p:nvSpPr>
-          <p:cNvPr id="6" name="TextBox 5"/>
-          <p:cNvSpPr txBox="1"/>
-          <p:nvPr/>
-        </p:nvSpPr>
-        <p:spPr>
-          <a:xfrm>
-            <a:off x="11355859" y="6463955"/>
-            <a:ext cx="1021492" cy="369332"/>
-          </a:xfrm>
-          <a:prstGeom prst="rect">
-            <a:avLst/>
-          </a:prstGeom>
-          <a:noFill/>
-        </p:spPr>
-        <p:txBody>
-          <a:bodyPr wrap="square" rtlCol="0">
-            <a:spAutoFit/>
-          </a:bodyPr>
-          <a:lstStyle/>
-          <a:p>
-            <a:r>
-              <a:rPr lang="en-US" dirty="0"/>
-              <a:t>Surya</a:t>
-            </a:r>
+              <a:t>Telio</a:t>
+            </a:r>
+            <a:endParaRPr lang="en-US" dirty="0"/>
           </a:p>
         </p:txBody>
       </p:sp>
     </p:spTree>
     <p:extLst>
       <p:ext uri="{BB962C8B-B14F-4D97-AF65-F5344CB8AC3E}">
-        <p14:creationId xmlns:p14="http://schemas.microsoft.com/office/powerpoint/2010/main" val="2544022849"/>
+        <p14:creationId xmlns:p14="http://schemas.microsoft.com/office/powerpoint/2010/main" val="3535501036"/>
       </p:ext>
     </p:extLst>
   </p:cSld>
@@ -9779,116 +10233,89 @@
           <a:p>
             <a:r>
               <a:rPr lang="en-US" dirty="0" smtClean="0"/>
-              <a:t>CSS Animations</a:t>
-            </a:r>
-            <a:endParaRPr lang="en-US" dirty="0"/>
-          </a:p>
-        </p:txBody>
-      </p:sp>
-      <p:sp>
-        <p:nvSpPr>
-          <p:cNvPr id="3" name="Content Placeholder 2"/>
-          <p:cNvSpPr>
-            <a:spLocks noGrp="1"/>
-          </p:cNvSpPr>
+              <a:t>Button Grow Animation</a:t>
+            </a:r>
+            <a:endParaRPr lang="en-US" dirty="0"/>
+          </a:p>
+        </p:txBody>
+      </p:sp>
+      <p:pic>
+        <p:nvPicPr>
+          <p:cNvPr id="5" name="Content Placeholder 4"/>
+          <p:cNvPicPr>
+            <a:picLocks noGrp="1" noChangeAspect="1"/>
+          </p:cNvPicPr>
           <p:nvPr>
             <p:ph idx="1"/>
           </p:nvPr>
-        </p:nvSpPr>
-        <p:spPr/>
-        <p:txBody>
-          <a:bodyPr>
-            <a:normAutofit/>
-          </a:bodyPr>
-          <a:lstStyle/>
-          <a:p>
-            <a:r>
-              <a:rPr lang="en-US" dirty="0" smtClean="0"/>
-              <a:t>An </a:t>
-            </a:r>
-            <a:r>
-              <a:rPr lang="en-US" dirty="0"/>
-              <a:t>animation </a:t>
-            </a:r>
-            <a:r>
-              <a:rPr lang="en-US" dirty="0" smtClean="0"/>
-              <a:t>is </a:t>
-            </a:r>
-            <a:r>
-              <a:rPr lang="en-US" dirty="0"/>
-              <a:t>a visualization of change</a:t>
-            </a:r>
-          </a:p>
-          <a:p>
-            <a:r>
-              <a:rPr lang="en-US" dirty="0"/>
-              <a:t>An animation lets an element gradually change from one style to another</a:t>
-            </a:r>
-            <a:r>
-              <a:rPr lang="en-US" dirty="0" smtClean="0"/>
-              <a:t>. </a:t>
-            </a:r>
-          </a:p>
-          <a:p>
-            <a:r>
-              <a:rPr lang="en-US" dirty="0"/>
-              <a:t>To use CSS animation, you must first specify some </a:t>
-            </a:r>
-            <a:r>
-              <a:rPr lang="en-US" dirty="0" err="1"/>
-              <a:t>keyframes</a:t>
-            </a:r>
-            <a:r>
-              <a:rPr lang="en-US" dirty="0"/>
-              <a:t> for the animation</a:t>
-            </a:r>
-            <a:r>
-              <a:rPr lang="en-US" dirty="0" smtClean="0"/>
-              <a:t>.</a:t>
-            </a:r>
-          </a:p>
-          <a:p>
-            <a:r>
-              <a:rPr lang="en-US" dirty="0" err="1"/>
-              <a:t>Keyframes</a:t>
-            </a:r>
-            <a:r>
-              <a:rPr lang="en-US" dirty="0"/>
-              <a:t> hold what styles the element will have at certain times</a:t>
-            </a:r>
-            <a:r>
-              <a:rPr lang="en-US" dirty="0" smtClean="0"/>
-              <a:t>.</a:t>
-            </a:r>
-            <a:endParaRPr lang="en-US" dirty="0"/>
-          </a:p>
-        </p:txBody>
-      </p:sp>
-      <p:sp>
-        <p:nvSpPr>
-          <p:cNvPr id="4" name="TextBox 3"/>
-          <p:cNvSpPr txBox="1"/>
+        </p:nvPicPr>
+        <p:blipFill>
+          <a:blip r:embed="rId2">
+            <a:extLst>
+              <a:ext uri="{28A0092B-C50C-407E-A947-70E740481C1C}">
+                <a14:useLocalDpi xmlns:a14="http://schemas.microsoft.com/office/drawing/2010/main" val="0"/>
+              </a:ext>
+            </a:extLst>
+          </a:blip>
+          <a:stretch>
+            <a:fillRect/>
+          </a:stretch>
+        </p:blipFill>
+        <p:spPr>
+          <a:xfrm>
+            <a:off x="6950975" y="2470528"/>
+            <a:ext cx="2506345" cy="1520704"/>
+          </a:xfrm>
+        </p:spPr>
+      </p:pic>
+      <p:pic>
+        <p:nvPicPr>
+          <p:cNvPr id="4" name="Picture 3"/>
+          <p:cNvPicPr>
+            <a:picLocks noChangeAspect="1"/>
+          </p:cNvPicPr>
           <p:nvPr/>
-        </p:nvSpPr>
-        <p:spPr>
-          <a:xfrm>
-            <a:off x="11392930" y="6488668"/>
-            <a:ext cx="1169773" cy="369332"/>
+        </p:nvPicPr>
+        <p:blipFill>
+          <a:blip r:embed="rId3"/>
+          <a:stretch>
+            <a:fillRect/>
+          </a:stretch>
+        </p:blipFill>
+        <p:spPr>
+          <a:xfrm>
+            <a:off x="680321" y="2336872"/>
+            <a:ext cx="5361793" cy="1790285"/>
           </a:xfrm>
           <a:prstGeom prst="rect">
             <a:avLst/>
           </a:prstGeom>
-          <a:noFill/>
-        </p:spPr>
-        <p:txBody>
-          <a:bodyPr wrap="square" rtlCol="0">
+        </p:spPr>
+      </p:pic>
+      <p:sp>
+        <p:nvSpPr>
+          <p:cNvPr id="6" name="Rectangle 5"/>
+          <p:cNvSpPr/>
+          <p:nvPr/>
+        </p:nvSpPr>
+        <p:spPr>
+          <a:xfrm>
+            <a:off x="11518289" y="6452968"/>
+            <a:ext cx="673711" cy="369332"/>
+          </a:xfrm>
+          <a:prstGeom prst="rect">
+            <a:avLst/>
+          </a:prstGeom>
+        </p:spPr>
+        <p:txBody>
+          <a:bodyPr wrap="none">
             <a:spAutoFit/>
           </a:bodyPr>
           <a:lstStyle/>
           <a:p>
             <a:r>
               <a:rPr lang="en-US" dirty="0"/>
-              <a:t>Surya</a:t>
+              <a:t>Telio</a:t>
             </a:r>
           </a:p>
         </p:txBody>
@@ -9896,7 +10323,7 @@
     </p:spTree>
     <p:extLst>
       <p:ext uri="{BB962C8B-B14F-4D97-AF65-F5344CB8AC3E}">
-        <p14:creationId xmlns:p14="http://schemas.microsoft.com/office/powerpoint/2010/main" val="762067287"/>
+        <p14:creationId xmlns:p14="http://schemas.microsoft.com/office/powerpoint/2010/main" val="494620401"/>
       </p:ext>
     </p:extLst>
   </p:cSld>

--- a/web apps Presentation.pptx
+++ b/web apps Presentation.pptx
@@ -20,8 +20,10 @@
     <p:sldId id="286" r:id="rId14"/>
     <p:sldId id="287" r:id="rId15"/>
     <p:sldId id="280" r:id="rId16"/>
-    <p:sldId id="284" r:id="rId17"/>
-    <p:sldId id="281" r:id="rId18"/>
+    <p:sldId id="289" r:id="rId17"/>
+    <p:sldId id="284" r:id="rId18"/>
+    <p:sldId id="281" r:id="rId19"/>
+    <p:sldId id="288" r:id="rId20"/>
   </p:sldIdLst>
   <p:sldSz cx="12192000" cy="6858000"/>
   <p:notesSz cx="6858000" cy="9144000"/>
@@ -8512,11 +8514,7 @@
           <a:p>
             <a:r>
               <a:rPr lang="en-US" dirty="0" smtClean="0"/>
-              <a:t>Animation: </a:t>
-            </a:r>
-            <a:r>
-              <a:rPr lang="en-US" dirty="0" smtClean="0"/>
-              <a:t>The </a:t>
+              <a:t>Animation: The </a:t>
             </a:r>
             <a:r>
               <a:rPr lang="en-US" dirty="0"/>
@@ -8560,12 +8558,6 @@
             <a:r>
               <a:rPr lang="en-US" dirty="0" smtClean="0"/>
               <a:t> </a:t>
-            </a:r>
-            <a:r>
-              <a:rPr lang="en-US" dirty="0">
-                <a:hlinkClick r:id="rId2"/>
-              </a:rPr>
-              <a:t>https://sonamgadkari.github.io/Project/</a:t>
             </a:r>
             <a:endParaRPr lang="en-US" dirty="0"/>
           </a:p>
@@ -8580,7 +8572,7 @@
           <p:nvPr/>
         </p:nvPicPr>
         <p:blipFill>
-          <a:blip r:embed="rId3">
+          <a:blip r:embed="rId2">
             <a:extLst/>
           </a:blip>
           <a:srcRect/>
@@ -8681,6 +8673,177 @@
           <a:lstStyle/>
           <a:p>
             <a:r>
+              <a:rPr lang="en-US" dirty="0" smtClean="0"/>
+              <a:t>Animation properties</a:t>
+            </a:r>
+            <a:endParaRPr lang="en-US" dirty="0"/>
+          </a:p>
+        </p:txBody>
+      </p:sp>
+      <p:sp>
+        <p:nvSpPr>
+          <p:cNvPr id="3" name="Content Placeholder 2"/>
+          <p:cNvSpPr>
+            <a:spLocks noGrp="1"/>
+          </p:cNvSpPr>
+          <p:nvPr>
+            <p:ph idx="1"/>
+          </p:nvPr>
+        </p:nvSpPr>
+        <p:spPr/>
+        <p:txBody>
+          <a:bodyPr/>
+          <a:lstStyle/>
+          <a:p>
+            <a:r>
+              <a:rPr lang="en-US" dirty="0"/>
+              <a:t>@</a:t>
+            </a:r>
+            <a:r>
+              <a:rPr lang="en-US" dirty="0" err="1"/>
+              <a:t>keyframes</a:t>
+            </a:r>
+            <a:r>
+              <a:rPr lang="en-US" dirty="0"/>
+              <a:t> </a:t>
+            </a:r>
+            <a:r>
+              <a:rPr lang="en-US" dirty="0" smtClean="0"/>
+              <a:t>drive</a:t>
+            </a:r>
+          </a:p>
+          <a:p>
+            <a:r>
+              <a:rPr lang="en-US" dirty="0"/>
+              <a:t>animation-name: drive;</a:t>
+            </a:r>
+          </a:p>
+          <a:p>
+            <a:r>
+              <a:rPr lang="en-US" dirty="0"/>
+              <a:t>animation-duration: 3s; </a:t>
+            </a:r>
+          </a:p>
+          <a:p>
+            <a:r>
+              <a:rPr lang="en-US" dirty="0"/>
+              <a:t>animation-fill-mode: forwards;</a:t>
+            </a:r>
+          </a:p>
+          <a:p>
+            <a:r>
+              <a:rPr lang="en-US" dirty="0"/>
+              <a:t>animation-delay: 2s;</a:t>
+            </a:r>
+          </a:p>
+        </p:txBody>
+      </p:sp>
+      <p:sp>
+        <p:nvSpPr>
+          <p:cNvPr id="4" name="Rectangle 3"/>
+          <p:cNvSpPr/>
+          <p:nvPr/>
+        </p:nvSpPr>
+        <p:spPr>
+          <a:xfrm>
+            <a:off x="798990" y="4900139"/>
+            <a:ext cx="4465068" cy="369332"/>
+          </a:xfrm>
+          <a:prstGeom prst="rect">
+            <a:avLst/>
+          </a:prstGeom>
+        </p:spPr>
+        <p:txBody>
+          <a:bodyPr wrap="none">
+            <a:spAutoFit/>
+          </a:bodyPr>
+          <a:lstStyle/>
+          <a:p>
+            <a:r>
+              <a:rPr lang="en-US" dirty="0">
+                <a:hlinkClick r:id="rId2"/>
+              </a:rPr>
+              <a:t>https://sonamgadkari.github.io/Project/</a:t>
+            </a:r>
+            <a:endParaRPr lang="en-US" dirty="0"/>
+          </a:p>
+        </p:txBody>
+      </p:sp>
+      <p:sp>
+        <p:nvSpPr>
+          <p:cNvPr id="5" name="Rectangle 4"/>
+          <p:cNvSpPr/>
+          <p:nvPr/>
+        </p:nvSpPr>
+        <p:spPr>
+          <a:xfrm>
+            <a:off x="10769574" y="6172886"/>
+            <a:ext cx="859531" cy="369332"/>
+          </a:xfrm>
+          <a:prstGeom prst="rect">
+            <a:avLst/>
+          </a:prstGeom>
+        </p:spPr>
+        <p:txBody>
+          <a:bodyPr wrap="none">
+            <a:spAutoFit/>
+          </a:bodyPr>
+          <a:lstStyle/>
+          <a:p>
+            <a:r>
+              <a:rPr lang="en-US" dirty="0"/>
+              <a:t>Sonam</a:t>
+            </a:r>
+            <a:endParaRPr lang="en-US" dirty="0"/>
+          </a:p>
+        </p:txBody>
+      </p:sp>
+    </p:spTree>
+    <p:extLst>
+      <p:ext uri="{BB962C8B-B14F-4D97-AF65-F5344CB8AC3E}">
+        <p14:creationId xmlns:p14="http://schemas.microsoft.com/office/powerpoint/2010/main" val="3210173436"/>
+      </p:ext>
+    </p:extLst>
+  </p:cSld>
+  <p:clrMapOvr>
+    <a:masterClrMapping/>
+  </p:clrMapOvr>
+</p:sld>
+</file>
+
+<file path=ppt/slides/slide17.xml><?xml version="1.0" encoding="utf-8"?>
+<p:sld xmlns:a="http://schemas.openxmlformats.org/drawingml/2006/main" xmlns:r="http://schemas.openxmlformats.org/officeDocument/2006/relationships" xmlns:p="http://schemas.openxmlformats.org/presentationml/2006/main">
+  <p:cSld>
+    <p:spTree>
+      <p:nvGrpSpPr>
+        <p:cNvPr id="1" name=""/>
+        <p:cNvGrpSpPr/>
+        <p:nvPr/>
+      </p:nvGrpSpPr>
+      <p:grpSpPr>
+        <a:xfrm>
+          <a:off x="0" y="0"/>
+          <a:ext cx="0" cy="0"/>
+          <a:chOff x="0" y="0"/>
+          <a:chExt cx="0" cy="0"/>
+        </a:xfrm>
+      </p:grpSpPr>
+      <p:sp>
+        <p:nvSpPr>
+          <p:cNvPr id="2" name="Title 1"/>
+          <p:cNvSpPr>
+            <a:spLocks noGrp="1"/>
+          </p:cNvSpPr>
+          <p:nvPr>
+            <p:ph type="title"/>
+          </p:nvPr>
+        </p:nvSpPr>
+        <p:spPr/>
+        <p:txBody>
+          <a:bodyPr/>
+          <a:lstStyle/>
+          <a:p>
+            <a:r>
               <a:rPr lang="en-US" dirty="0" err="1" smtClean="0"/>
               <a:t>BootStrap</a:t>
             </a:r>
@@ -8865,7 +9028,7 @@
 </p:sld>
 </file>
 
-<file path=ppt/slides/slide17.xml><?xml version="1.0" encoding="utf-8"?>
+<file path=ppt/slides/slide18.xml><?xml version="1.0" encoding="utf-8"?>
 <p:sld xmlns:a="http://schemas.openxmlformats.org/drawingml/2006/main" xmlns:r="http://schemas.openxmlformats.org/officeDocument/2006/relationships" xmlns:p="http://schemas.openxmlformats.org/presentationml/2006/main">
   <p:cSld>
     <p:spTree>
@@ -8998,6 +9161,129 @@
       </p:par>
     </p:tnLst>
   </p:timing>
+</p:sld>
+</file>
+
+<file path=ppt/slides/slide19.xml><?xml version="1.0" encoding="utf-8"?>
+<p:sld xmlns:a="http://schemas.openxmlformats.org/drawingml/2006/main" xmlns:r="http://schemas.openxmlformats.org/officeDocument/2006/relationships" xmlns:p="http://schemas.openxmlformats.org/presentationml/2006/main">
+  <p:cSld>
+    <p:spTree>
+      <p:nvGrpSpPr>
+        <p:cNvPr id="1" name=""/>
+        <p:cNvGrpSpPr/>
+        <p:nvPr/>
+      </p:nvGrpSpPr>
+      <p:grpSpPr>
+        <a:xfrm>
+          <a:off x="0" y="0"/>
+          <a:ext cx="0" cy="0"/>
+          <a:chOff x="0" y="0"/>
+          <a:chExt cx="0" cy="0"/>
+        </a:xfrm>
+      </p:grpSpPr>
+      <p:sp>
+        <p:nvSpPr>
+          <p:cNvPr id="2" name="Title 1"/>
+          <p:cNvSpPr>
+            <a:spLocks noGrp="1"/>
+          </p:cNvSpPr>
+          <p:nvPr>
+            <p:ph type="title"/>
+          </p:nvPr>
+        </p:nvSpPr>
+        <p:spPr/>
+        <p:txBody>
+          <a:bodyPr/>
+          <a:lstStyle/>
+          <a:p>
+            <a:r>
+              <a:rPr lang="en-US" dirty="0" smtClean="0"/>
+              <a:t>References</a:t>
+            </a:r>
+            <a:endParaRPr lang="en-US" dirty="0"/>
+          </a:p>
+        </p:txBody>
+      </p:sp>
+      <p:sp>
+        <p:nvSpPr>
+          <p:cNvPr id="3" name="Content Placeholder 2"/>
+          <p:cNvSpPr>
+            <a:spLocks noGrp="1"/>
+          </p:cNvSpPr>
+          <p:nvPr>
+            <p:ph idx="1"/>
+          </p:nvPr>
+        </p:nvSpPr>
+        <p:spPr/>
+        <p:txBody>
+          <a:bodyPr/>
+          <a:lstStyle/>
+          <a:p>
+            <a:r>
+              <a:rPr lang="en-US" dirty="0">
+                <a:hlinkClick r:id="rId2"/>
+              </a:rPr>
+              <a:t>https://mdbootstrap.com/md-bootstrap-cdn</a:t>
+            </a:r>
+            <a:r>
+              <a:rPr lang="en-US" dirty="0" smtClean="0">
+                <a:hlinkClick r:id="rId2"/>
+              </a:rPr>
+              <a:t>/</a:t>
+            </a:r>
+            <a:endParaRPr lang="en-US" dirty="0" smtClean="0"/>
+          </a:p>
+          <a:p>
+            <a:endParaRPr lang="en-US" dirty="0" smtClean="0"/>
+          </a:p>
+          <a:p>
+            <a:r>
+              <a:rPr lang="en-US" dirty="0">
+                <a:hlinkClick r:id="rId3"/>
+              </a:rPr>
+              <a:t>https://www.hongkiat.com/blog/20-useful-css-tips-for-beginners</a:t>
+            </a:r>
+            <a:r>
+              <a:rPr lang="en-US" dirty="0" smtClean="0">
+                <a:hlinkClick r:id="rId3"/>
+              </a:rPr>
+              <a:t>/</a:t>
+            </a:r>
+            <a:endParaRPr lang="en-US" dirty="0" smtClean="0"/>
+          </a:p>
+          <a:p>
+            <a:endParaRPr lang="en-US" dirty="0"/>
+          </a:p>
+          <a:p>
+            <a:r>
+              <a:rPr lang="en-US" dirty="0">
+                <a:hlinkClick r:id="rId4"/>
+              </a:rPr>
+              <a:t>https://www.w3schools.com/css</a:t>
+            </a:r>
+            <a:r>
+              <a:rPr lang="en-US" dirty="0" smtClean="0">
+                <a:hlinkClick r:id="rId4"/>
+              </a:rPr>
+              <a:t>/</a:t>
+            </a:r>
+            <a:endParaRPr lang="en-US" dirty="0" smtClean="0"/>
+          </a:p>
+          <a:p>
+            <a:endParaRPr lang="en-US" dirty="0"/>
+          </a:p>
+        </p:txBody>
+      </p:sp>
+    </p:spTree>
+    <p:extLst>
+      <p:ext uri="{BB962C8B-B14F-4D97-AF65-F5344CB8AC3E}">
+        <p14:creationId xmlns:p14="http://schemas.microsoft.com/office/powerpoint/2010/main" val="3562904786"/>
+      </p:ext>
+    </p:extLst>
+  </p:cSld>
+  <p:clrMapOvr>
+    <a:masterClrMapping/>
+  </p:clrMapOvr>
 </p:sld>
 </file>
 

--- a/web apps Presentation.pptx
+++ b/web apps Presentation.pptx
@@ -10,20 +10,21 @@
     <p:sldId id="282" r:id="rId4"/>
     <p:sldId id="273" r:id="rId5"/>
     <p:sldId id="274" r:id="rId6"/>
-    <p:sldId id="279" r:id="rId7"/>
-    <p:sldId id="283" r:id="rId8"/>
-    <p:sldId id="275" r:id="rId9"/>
-    <p:sldId id="276" r:id="rId10"/>
-    <p:sldId id="277" r:id="rId11"/>
-    <p:sldId id="278" r:id="rId12"/>
-    <p:sldId id="285" r:id="rId13"/>
-    <p:sldId id="286" r:id="rId14"/>
-    <p:sldId id="287" r:id="rId15"/>
-    <p:sldId id="280" r:id="rId16"/>
-    <p:sldId id="289" r:id="rId17"/>
-    <p:sldId id="284" r:id="rId18"/>
-    <p:sldId id="281" r:id="rId19"/>
-    <p:sldId id="288" r:id="rId20"/>
+    <p:sldId id="283" r:id="rId7"/>
+    <p:sldId id="291" r:id="rId8"/>
+    <p:sldId id="290" r:id="rId9"/>
+    <p:sldId id="275" r:id="rId10"/>
+    <p:sldId id="276" r:id="rId11"/>
+    <p:sldId id="277" r:id="rId12"/>
+    <p:sldId id="278" r:id="rId13"/>
+    <p:sldId id="285" r:id="rId14"/>
+    <p:sldId id="286" r:id="rId15"/>
+    <p:sldId id="287" r:id="rId16"/>
+    <p:sldId id="280" r:id="rId17"/>
+    <p:sldId id="289" r:id="rId18"/>
+    <p:sldId id="284" r:id="rId19"/>
+    <p:sldId id="281" r:id="rId20"/>
+    <p:sldId id="288" r:id="rId21"/>
   </p:sldIdLst>
   <p:sldSz cx="12192000" cy="6858000"/>
   <p:notesSz cx="6858000" cy="9144000"/>
@@ -7827,7 +7828,7 @@
           <a:p>
             <a:r>
               <a:rPr lang="en-US" dirty="0" smtClean="0"/>
-              <a:t>Button Spread Animation</a:t>
+              <a:t>Button Grow Animation</a:t>
             </a:r>
             <a:endParaRPr lang="en-US" dirty="0"/>
           </a:p>
@@ -7835,7 +7836,7 @@
       </p:sp>
       <p:pic>
         <p:nvPicPr>
-          <p:cNvPr id="4" name="Content Placeholder 3"/>
+          <p:cNvPr id="5" name="Content Placeholder 4"/>
           <p:cNvPicPr>
             <a:picLocks noGrp="1" noChangeAspect="1"/>
           </p:cNvPicPr>
@@ -7844,31 +7845,7 @@
           </p:nvPr>
         </p:nvPicPr>
         <p:blipFill>
-          <a:blip r:embed="rId2"/>
-          <a:stretch>
-            <a:fillRect/>
-          </a:stretch>
-        </p:blipFill>
-        <p:spPr>
-          <a:xfrm>
-            <a:off x="680321" y="2613517"/>
-            <a:ext cx="5895592" cy="1958483"/>
-          </a:xfrm>
-          <a:prstGeom prst="rect">
-            <a:avLst/>
-          </a:prstGeom>
-        </p:spPr>
-      </p:pic>
-      <p:pic>
-        <p:nvPicPr>
-          <p:cNvPr id="5" name="Picture 4"/>
-          <p:cNvPicPr>
-            <a:picLocks noChangeAspect="1"/>
-          </p:cNvPicPr>
-          <p:nvPr/>
-        </p:nvPicPr>
-        <p:blipFill>
-          <a:blip r:embed="rId3">
+          <a:blip r:embed="rId2">
             <a:extLst>
               <a:ext uri="{28A0092B-C50C-407E-A947-70E740481C1C}">
                 <a14:useLocalDpi xmlns:a14="http://schemas.microsoft.com/office/drawing/2010/main" val="0"/>
@@ -7881,8 +7858,29 @@
         </p:blipFill>
         <p:spPr>
           <a:xfrm>
-            <a:off x="7830838" y="2811224"/>
-            <a:ext cx="2576166" cy="1563067"/>
+            <a:off x="6950975" y="2470528"/>
+            <a:ext cx="2506345" cy="1520704"/>
+          </a:xfrm>
+        </p:spPr>
+      </p:pic>
+      <p:pic>
+        <p:nvPicPr>
+          <p:cNvPr id="4" name="Picture 3"/>
+          <p:cNvPicPr>
+            <a:picLocks noChangeAspect="1"/>
+          </p:cNvPicPr>
+          <p:nvPr/>
+        </p:nvPicPr>
+        <p:blipFill>
+          <a:blip r:embed="rId3"/>
+          <a:stretch>
+            <a:fillRect/>
+          </a:stretch>
+        </p:blipFill>
+        <p:spPr>
+          <a:xfrm>
+            <a:off x="680321" y="2336872"/>
+            <a:ext cx="5361793" cy="1790285"/>
           </a:xfrm>
           <a:prstGeom prst="rect">
             <a:avLst/>
@@ -7897,7 +7895,7 @@
         </p:nvSpPr>
         <p:spPr>
           <a:xfrm>
-            <a:off x="11518289" y="6488668"/>
+            <a:off x="11518289" y="6452968"/>
             <a:ext cx="673711" cy="369332"/>
           </a:xfrm>
           <a:prstGeom prst="rect">
@@ -7920,7 +7918,7 @@
     </p:spTree>
     <p:extLst>
       <p:ext uri="{BB962C8B-B14F-4D97-AF65-F5344CB8AC3E}">
-        <p14:creationId xmlns:p14="http://schemas.microsoft.com/office/powerpoint/2010/main" val="3372417653"/>
+        <p14:creationId xmlns:p14="http://schemas.microsoft.com/office/powerpoint/2010/main" val="494620401"/>
       </p:ext>
     </p:extLst>
   </p:cSld>
@@ -7971,7 +7969,7 @@
           <a:p>
             <a:r>
               <a:rPr lang="en-US" dirty="0" smtClean="0"/>
-              <a:t>Scrolling Background</a:t>
+              <a:t>Button Spread Animation</a:t>
             </a:r>
             <a:endParaRPr lang="en-US" dirty="0"/>
           </a:p>
@@ -7995,8 +7993,8 @@
         </p:blipFill>
         <p:spPr>
           <a:xfrm>
-            <a:off x="5993026" y="1957734"/>
-            <a:ext cx="5276335" cy="3491596"/>
+            <a:off x="680321" y="2613517"/>
+            <a:ext cx="5895592" cy="1958483"/>
           </a:xfrm>
           <a:prstGeom prst="rect">
             <a:avLst/>
@@ -8025,8 +8023,8 @@
         </p:blipFill>
         <p:spPr>
           <a:xfrm>
-            <a:off x="0" y="1957734"/>
-            <a:ext cx="5993027" cy="2111344"/>
+            <a:off x="7830838" y="2811224"/>
+            <a:ext cx="2576166" cy="1563067"/>
           </a:xfrm>
           <a:prstGeom prst="rect">
             <a:avLst/>
@@ -8064,7 +8062,7 @@
     </p:spTree>
     <p:extLst>
       <p:ext uri="{BB962C8B-B14F-4D97-AF65-F5344CB8AC3E}">
-        <p14:creationId xmlns:p14="http://schemas.microsoft.com/office/powerpoint/2010/main" val="3187785126"/>
+        <p14:creationId xmlns:p14="http://schemas.microsoft.com/office/powerpoint/2010/main" val="3372417653"/>
       </p:ext>
     </p:extLst>
   </p:cSld>
@@ -8115,6 +8113,150 @@
           <a:p>
             <a:r>
               <a:rPr lang="en-US" dirty="0" smtClean="0"/>
+              <a:t>Scrolling Background</a:t>
+            </a:r>
+            <a:endParaRPr lang="en-US" dirty="0"/>
+          </a:p>
+        </p:txBody>
+      </p:sp>
+      <p:pic>
+        <p:nvPicPr>
+          <p:cNvPr id="4" name="Content Placeholder 3"/>
+          <p:cNvPicPr>
+            <a:picLocks noGrp="1" noChangeAspect="1"/>
+          </p:cNvPicPr>
+          <p:nvPr>
+            <p:ph idx="1"/>
+          </p:nvPr>
+        </p:nvPicPr>
+        <p:blipFill>
+          <a:blip r:embed="rId2"/>
+          <a:stretch>
+            <a:fillRect/>
+          </a:stretch>
+        </p:blipFill>
+        <p:spPr>
+          <a:xfrm>
+            <a:off x="5993026" y="1957734"/>
+            <a:ext cx="5276335" cy="3491596"/>
+          </a:xfrm>
+          <a:prstGeom prst="rect">
+            <a:avLst/>
+          </a:prstGeom>
+        </p:spPr>
+      </p:pic>
+      <p:pic>
+        <p:nvPicPr>
+          <p:cNvPr id="5" name="Picture 4"/>
+          <p:cNvPicPr>
+            <a:picLocks noChangeAspect="1"/>
+          </p:cNvPicPr>
+          <p:nvPr/>
+        </p:nvPicPr>
+        <p:blipFill>
+          <a:blip r:embed="rId3">
+            <a:extLst>
+              <a:ext uri="{28A0092B-C50C-407E-A947-70E740481C1C}">
+                <a14:useLocalDpi xmlns:a14="http://schemas.microsoft.com/office/drawing/2010/main" val="0"/>
+              </a:ext>
+            </a:extLst>
+          </a:blip>
+          <a:stretch>
+            <a:fillRect/>
+          </a:stretch>
+        </p:blipFill>
+        <p:spPr>
+          <a:xfrm>
+            <a:off x="0" y="1957734"/>
+            <a:ext cx="5993027" cy="2111344"/>
+          </a:xfrm>
+          <a:prstGeom prst="rect">
+            <a:avLst/>
+          </a:prstGeom>
+        </p:spPr>
+      </p:pic>
+      <p:sp>
+        <p:nvSpPr>
+          <p:cNvPr id="6" name="Rectangle 5"/>
+          <p:cNvSpPr/>
+          <p:nvPr/>
+        </p:nvSpPr>
+        <p:spPr>
+          <a:xfrm>
+            <a:off x="11518289" y="6488668"/>
+            <a:ext cx="673711" cy="369332"/>
+          </a:xfrm>
+          <a:prstGeom prst="rect">
+            <a:avLst/>
+          </a:prstGeom>
+        </p:spPr>
+        <p:txBody>
+          <a:bodyPr wrap="none">
+            <a:spAutoFit/>
+          </a:bodyPr>
+          <a:lstStyle/>
+          <a:p>
+            <a:r>
+              <a:rPr lang="en-US" dirty="0"/>
+              <a:t>Telio</a:t>
+            </a:r>
+          </a:p>
+        </p:txBody>
+      </p:sp>
+    </p:spTree>
+    <p:extLst>
+      <p:ext uri="{BB962C8B-B14F-4D97-AF65-F5344CB8AC3E}">
+        <p14:creationId xmlns:p14="http://schemas.microsoft.com/office/powerpoint/2010/main" val="3187785126"/>
+      </p:ext>
+    </p:extLst>
+  </p:cSld>
+  <p:clrMapOvr>
+    <a:masterClrMapping/>
+  </p:clrMapOvr>
+  <p:timing>
+    <p:tnLst>
+      <p:par>
+        <p:cTn id="1" dur="indefinite" restart="never" nodeType="tmRoot"/>
+      </p:par>
+    </p:tnLst>
+  </p:timing>
+</p:sld>
+</file>
+
+<file path=ppt/slides/slide13.xml><?xml version="1.0" encoding="utf-8"?>
+<p:sld xmlns:a="http://schemas.openxmlformats.org/drawingml/2006/main" xmlns:r="http://schemas.openxmlformats.org/officeDocument/2006/relationships" xmlns:p="http://schemas.openxmlformats.org/presentationml/2006/main">
+  <p:cSld>
+    <p:spTree>
+      <p:nvGrpSpPr>
+        <p:cNvPr id="1" name=""/>
+        <p:cNvGrpSpPr/>
+        <p:nvPr/>
+      </p:nvGrpSpPr>
+      <p:grpSpPr>
+        <a:xfrm>
+          <a:off x="0" y="0"/>
+          <a:ext cx="0" cy="0"/>
+          <a:chOff x="0" y="0"/>
+          <a:chExt cx="0" cy="0"/>
+        </a:xfrm>
+      </p:grpSpPr>
+      <p:sp>
+        <p:nvSpPr>
+          <p:cNvPr id="2" name="Title 1"/>
+          <p:cNvSpPr>
+            <a:spLocks noGrp="1"/>
+          </p:cNvSpPr>
+          <p:nvPr>
+            <p:ph type="title"/>
+          </p:nvPr>
+        </p:nvSpPr>
+        <p:spPr/>
+        <p:txBody>
+          <a:bodyPr/>
+          <a:lstStyle/>
+          <a:p>
+            <a:r>
+              <a:rPr lang="en-US" dirty="0" smtClean="0"/>
               <a:t>Creating and assigning canvas</a:t>
             </a:r>
             <a:endParaRPr lang="en-US" dirty="0"/>
@@ -8192,7 +8334,7 @@
 </p:sld>
 </file>
 
-<file path=ppt/slides/slide13.xml><?xml version="1.0" encoding="utf-8"?>
+<file path=ppt/slides/slide14.xml><?xml version="1.0" encoding="utf-8"?>
 <p:sld xmlns:a="http://schemas.openxmlformats.org/drawingml/2006/main" xmlns:r="http://schemas.openxmlformats.org/officeDocument/2006/relationships" xmlns:p="http://schemas.openxmlformats.org/presentationml/2006/main">
   <p:cSld>
     <p:spTree>
@@ -8340,7 +8482,7 @@
 </p:sld>
 </file>
 
-<file path=ppt/slides/slide14.xml><?xml version="1.0" encoding="utf-8"?>
+<file path=ppt/slides/slide15.xml><?xml version="1.0" encoding="utf-8"?>
 <p:sld xmlns:a="http://schemas.openxmlformats.org/drawingml/2006/main" xmlns:r="http://schemas.openxmlformats.org/officeDocument/2006/relationships" xmlns:p="http://schemas.openxmlformats.org/presentationml/2006/main">
   <p:cSld>
     <p:spTree>
@@ -8480,7 +8622,7 @@
 </p:sld>
 </file>
 
-<file path=ppt/slides/slide15.xml><?xml version="1.0" encoding="utf-8"?>
+<file path=ppt/slides/slide16.xml><?xml version="1.0" encoding="utf-8"?>
 <p:sld xmlns:a="http://schemas.openxmlformats.org/drawingml/2006/main" xmlns:r="http://schemas.openxmlformats.org/officeDocument/2006/relationships" xmlns:p="http://schemas.openxmlformats.org/presentationml/2006/main">
   <p:cSld>
     <p:spTree>
@@ -8640,177 +8782,6 @@
 </p:sld>
 </file>
 
-<file path=ppt/slides/slide16.xml><?xml version="1.0" encoding="utf-8"?>
-<p:sld xmlns:a="http://schemas.openxmlformats.org/drawingml/2006/main" xmlns:r="http://schemas.openxmlformats.org/officeDocument/2006/relationships" xmlns:p="http://schemas.openxmlformats.org/presentationml/2006/main">
-  <p:cSld>
-    <p:spTree>
-      <p:nvGrpSpPr>
-        <p:cNvPr id="1" name=""/>
-        <p:cNvGrpSpPr/>
-        <p:nvPr/>
-      </p:nvGrpSpPr>
-      <p:grpSpPr>
-        <a:xfrm>
-          <a:off x="0" y="0"/>
-          <a:ext cx="0" cy="0"/>
-          <a:chOff x="0" y="0"/>
-          <a:chExt cx="0" cy="0"/>
-        </a:xfrm>
-      </p:grpSpPr>
-      <p:sp>
-        <p:nvSpPr>
-          <p:cNvPr id="2" name="Title 1"/>
-          <p:cNvSpPr>
-            <a:spLocks noGrp="1"/>
-          </p:cNvSpPr>
-          <p:nvPr>
-            <p:ph type="title"/>
-          </p:nvPr>
-        </p:nvSpPr>
-        <p:spPr/>
-        <p:txBody>
-          <a:bodyPr/>
-          <a:lstStyle/>
-          <a:p>
-            <a:r>
-              <a:rPr lang="en-US" dirty="0" smtClean="0"/>
-              <a:t>Animation properties</a:t>
-            </a:r>
-            <a:endParaRPr lang="en-US" dirty="0"/>
-          </a:p>
-        </p:txBody>
-      </p:sp>
-      <p:sp>
-        <p:nvSpPr>
-          <p:cNvPr id="3" name="Content Placeholder 2"/>
-          <p:cNvSpPr>
-            <a:spLocks noGrp="1"/>
-          </p:cNvSpPr>
-          <p:nvPr>
-            <p:ph idx="1"/>
-          </p:nvPr>
-        </p:nvSpPr>
-        <p:spPr/>
-        <p:txBody>
-          <a:bodyPr/>
-          <a:lstStyle/>
-          <a:p>
-            <a:r>
-              <a:rPr lang="en-US" dirty="0"/>
-              <a:t>@</a:t>
-            </a:r>
-            <a:r>
-              <a:rPr lang="en-US" dirty="0" err="1"/>
-              <a:t>keyframes</a:t>
-            </a:r>
-            <a:r>
-              <a:rPr lang="en-US" dirty="0"/>
-              <a:t> </a:t>
-            </a:r>
-            <a:r>
-              <a:rPr lang="en-US" dirty="0" smtClean="0"/>
-              <a:t>drive</a:t>
-            </a:r>
-          </a:p>
-          <a:p>
-            <a:r>
-              <a:rPr lang="en-US" dirty="0"/>
-              <a:t>animation-name: drive;</a:t>
-            </a:r>
-          </a:p>
-          <a:p>
-            <a:r>
-              <a:rPr lang="en-US" dirty="0"/>
-              <a:t>animation-duration: 3s; </a:t>
-            </a:r>
-          </a:p>
-          <a:p>
-            <a:r>
-              <a:rPr lang="en-US" dirty="0"/>
-              <a:t>animation-fill-mode: forwards;</a:t>
-            </a:r>
-          </a:p>
-          <a:p>
-            <a:r>
-              <a:rPr lang="en-US" dirty="0"/>
-              <a:t>animation-delay: 2s;</a:t>
-            </a:r>
-          </a:p>
-        </p:txBody>
-      </p:sp>
-      <p:sp>
-        <p:nvSpPr>
-          <p:cNvPr id="4" name="Rectangle 3"/>
-          <p:cNvSpPr/>
-          <p:nvPr/>
-        </p:nvSpPr>
-        <p:spPr>
-          <a:xfrm>
-            <a:off x="798990" y="4900139"/>
-            <a:ext cx="4465068" cy="369332"/>
-          </a:xfrm>
-          <a:prstGeom prst="rect">
-            <a:avLst/>
-          </a:prstGeom>
-        </p:spPr>
-        <p:txBody>
-          <a:bodyPr wrap="none">
-            <a:spAutoFit/>
-          </a:bodyPr>
-          <a:lstStyle/>
-          <a:p>
-            <a:r>
-              <a:rPr lang="en-US" dirty="0">
-                <a:hlinkClick r:id="rId2"/>
-              </a:rPr>
-              <a:t>https://sonamgadkari.github.io/Project/</a:t>
-            </a:r>
-            <a:endParaRPr lang="en-US" dirty="0"/>
-          </a:p>
-        </p:txBody>
-      </p:sp>
-      <p:sp>
-        <p:nvSpPr>
-          <p:cNvPr id="5" name="Rectangle 4"/>
-          <p:cNvSpPr/>
-          <p:nvPr/>
-        </p:nvSpPr>
-        <p:spPr>
-          <a:xfrm>
-            <a:off x="10769574" y="6172886"/>
-            <a:ext cx="859531" cy="369332"/>
-          </a:xfrm>
-          <a:prstGeom prst="rect">
-            <a:avLst/>
-          </a:prstGeom>
-        </p:spPr>
-        <p:txBody>
-          <a:bodyPr wrap="none">
-            <a:spAutoFit/>
-          </a:bodyPr>
-          <a:lstStyle/>
-          <a:p>
-            <a:r>
-              <a:rPr lang="en-US" dirty="0"/>
-              <a:t>Sonam</a:t>
-            </a:r>
-            <a:endParaRPr lang="en-US" dirty="0"/>
-          </a:p>
-        </p:txBody>
-      </p:sp>
-    </p:spTree>
-    <p:extLst>
-      <p:ext uri="{BB962C8B-B14F-4D97-AF65-F5344CB8AC3E}">
-        <p14:creationId xmlns:p14="http://schemas.microsoft.com/office/powerpoint/2010/main" val="3210173436"/>
-      </p:ext>
-    </p:extLst>
-  </p:cSld>
-  <p:clrMapOvr>
-    <a:masterClrMapping/>
-  </p:clrMapOvr>
-</p:sld>
-</file>
-
 <file path=ppt/slides/slide17.xml><?xml version="1.0" encoding="utf-8"?>
 <p:sld xmlns:a="http://schemas.openxmlformats.org/drawingml/2006/main" xmlns:r="http://schemas.openxmlformats.org/officeDocument/2006/relationships" xmlns:p="http://schemas.openxmlformats.org/presentationml/2006/main">
   <p:cSld>
@@ -8844,12 +8815,8 @@
           <a:lstStyle/>
           <a:p>
             <a:r>
-              <a:rPr lang="en-US" dirty="0" err="1" smtClean="0"/>
-              <a:t>BootStrap</a:t>
-            </a:r>
-            <a:r>
               <a:rPr lang="en-US" dirty="0" smtClean="0"/>
-              <a:t> Format</a:t>
+              <a:t>Animation properties</a:t>
             </a:r>
             <a:endParaRPr lang="en-US" dirty="0"/>
           </a:p>
@@ -8867,164 +8834,121 @@
         </p:nvSpPr>
         <p:spPr/>
         <p:txBody>
-          <a:bodyPr>
-            <a:normAutofit fontScale="77500" lnSpcReduction="20000"/>
-          </a:bodyPr>
+          <a:bodyPr/>
           <a:lstStyle/>
           <a:p>
             <a:r>
               <a:rPr lang="en-US" dirty="0"/>
-              <a:t>&lt;div class="container-fluid"&gt;</a:t>
-            </a:r>
-            <a:br>
+              <a:t>@</a:t>
+            </a:r>
+            <a:r>
+              <a:rPr lang="en-US" dirty="0" err="1"/>
+              <a:t>keyframes</a:t>
+            </a:r>
+            <a:r>
               <a:rPr lang="en-US" dirty="0"/>
-            </a:br>
+              <a:t> </a:t>
+            </a:r>
+            <a:r>
+              <a:rPr lang="en-US" dirty="0" smtClean="0"/>
+              <a:t>drive</a:t>
+            </a:r>
+          </a:p>
+          <a:p>
             <a:r>
               <a:rPr lang="en-US" dirty="0"/>
-              <a:t>  &lt;h1&gt;my first bootstrap page&lt;/h1&gt;</a:t>
-            </a:r>
-            <a:br>
+              <a:t>animation-name: drive;</a:t>
+            </a:r>
+          </a:p>
+          <a:p>
+            <a:r>
               <a:rPr lang="en-US" dirty="0"/>
-            </a:br>
+              <a:t>animation-duration: 3s; </a:t>
+            </a:r>
+          </a:p>
+          <a:p>
             <a:r>
               <a:rPr lang="en-US" dirty="0"/>
-              <a:t>  &lt;p&gt;this is some text.&lt;/p&gt;</a:t>
+              <a:t>animation-fill-mode: forwards;</a:t>
             </a:r>
           </a:p>
           <a:p>
             <a:r>
               <a:rPr lang="en-US" dirty="0"/>
-              <a:t>	&lt;div class="row"&gt;</a:t>
-            </a:r>
-            <a:br>
-              <a:rPr lang="en-US" dirty="0"/>
-            </a:br>
-            <a:r>
-              <a:rPr lang="en-US" dirty="0"/>
-              <a:t>  		&lt;div class="col-*-*"&gt;&lt;/div&gt;</a:t>
-            </a:r>
-            <a:br>
-              <a:rPr lang="en-US" dirty="0"/>
-            </a:br>
-            <a:r>
-              <a:rPr lang="en-US" dirty="0"/>
-              <a:t> 		 &lt;div class="col-*-*"&gt;&lt;/div&gt;</a:t>
-            </a:r>
-            <a:br>
-              <a:rPr lang="en-US" dirty="0"/>
-            </a:br>
-            <a:r>
-              <a:rPr lang="en-US" dirty="0"/>
-              <a:t>	&lt;/div&gt;</a:t>
-            </a:r>
-            <a:br>
-              <a:rPr lang="en-US" dirty="0"/>
-            </a:br>
-            <a:r>
-              <a:rPr lang="en-US" dirty="0"/>
-              <a:t>	&lt;div class="row"&gt;</a:t>
-            </a:r>
-            <a:br>
-              <a:rPr lang="en-US" dirty="0"/>
-            </a:br>
-            <a:r>
-              <a:rPr lang="en-US" dirty="0"/>
-              <a:t>  		&lt;div class="col-*-*"&gt;&lt;/div&gt;</a:t>
-            </a:r>
-            <a:br>
-              <a:rPr lang="en-US" dirty="0"/>
-            </a:br>
-            <a:r>
-              <a:rPr lang="en-US" dirty="0"/>
-              <a:t>  		&lt;div class="col-*-*"&gt;&lt;/div&gt;</a:t>
-            </a:r>
-            <a:br>
-              <a:rPr lang="en-US" dirty="0"/>
-            </a:br>
-            <a:r>
-              <a:rPr lang="en-US" dirty="0"/>
-              <a:t> 		&lt;div class="col-*-*"&gt;&lt;/div&gt;</a:t>
-            </a:r>
-            <a:br>
-              <a:rPr lang="en-US" dirty="0"/>
-            </a:br>
-            <a:r>
-              <a:rPr lang="en-US" dirty="0"/>
-              <a:t>	&lt;/div&gt;</a:t>
-            </a:r>
-            <a:br>
-              <a:rPr lang="en-US" dirty="0"/>
-            </a:br>
-            <a:r>
-              <a:rPr lang="en-US" dirty="0"/>
-              <a:t>&lt;/div</a:t>
-            </a:r>
-            <a:r>
-              <a:rPr lang="en-US" dirty="0" smtClean="0"/>
-              <a:t>&gt;</a:t>
-            </a:r>
-          </a:p>
-          <a:p>
-            <a:endParaRPr lang="en-US" dirty="0"/>
-          </a:p>
-          <a:p>
-            <a:pPr marL="0" indent="0">
-              <a:buNone/>
-            </a:pPr>
-            <a:r>
-              <a:rPr lang="en-US" dirty="0" err="1" smtClean="0"/>
-              <a:t>md,lg,sm</a:t>
-            </a:r>
-            <a:endParaRPr lang="en-US" dirty="0"/>
-          </a:p>
-        </p:txBody>
-      </p:sp>
-      <p:sp>
-        <p:nvSpPr>
-          <p:cNvPr id="6" name="Rectangle 5"/>
+              <a:t>animation-delay: 2s;</a:t>
+            </a:r>
+          </a:p>
+        </p:txBody>
+      </p:sp>
+      <p:sp>
+        <p:nvSpPr>
+          <p:cNvPr id="4" name="Rectangle 3"/>
           <p:cNvSpPr/>
           <p:nvPr/>
         </p:nvSpPr>
         <p:spPr>
           <a:xfrm>
-            <a:off x="11222152" y="6352744"/>
-            <a:ext cx="859531" cy="369332"/>
+            <a:off x="798990" y="4900139"/>
+            <a:ext cx="4465068" cy="369332"/>
           </a:xfrm>
           <a:prstGeom prst="rect">
             <a:avLst/>
           </a:prstGeom>
         </p:spPr>
         <p:txBody>
-          <a:bodyPr wrap="square">
+          <a:bodyPr wrap="none">
             <a:spAutoFit/>
           </a:bodyPr>
           <a:lstStyle/>
           <a:p>
             <a:r>
-              <a:rPr lang="en-US" dirty="0" err="1" smtClean="0"/>
+              <a:rPr lang="en-US" dirty="0">
+                <a:hlinkClick r:id="rId2"/>
+              </a:rPr>
+              <a:t>https://sonamgadkari.github.io/Project/</a:t>
+            </a:r>
+            <a:endParaRPr lang="en-US" dirty="0"/>
+          </a:p>
+        </p:txBody>
+      </p:sp>
+      <p:sp>
+        <p:nvSpPr>
+          <p:cNvPr id="5" name="Rectangle 4"/>
+          <p:cNvSpPr/>
+          <p:nvPr/>
+        </p:nvSpPr>
+        <p:spPr>
+          <a:xfrm>
+            <a:off x="10769574" y="6172886"/>
+            <a:ext cx="859531" cy="369332"/>
+          </a:xfrm>
+          <a:prstGeom prst="rect">
+            <a:avLst/>
+          </a:prstGeom>
+        </p:spPr>
+        <p:txBody>
+          <a:bodyPr wrap="none">
+            <a:spAutoFit/>
+          </a:bodyPr>
+          <a:lstStyle/>
+          <a:p>
+            <a:r>
+              <a:rPr lang="en-US" dirty="0"/>
               <a:t>Sonam</a:t>
             </a:r>
-            <a:endParaRPr lang="en-US" dirty="0"/>
           </a:p>
         </p:txBody>
       </p:sp>
     </p:spTree>
     <p:extLst>
       <p:ext uri="{BB962C8B-B14F-4D97-AF65-F5344CB8AC3E}">
-        <p14:creationId xmlns:p14="http://schemas.microsoft.com/office/powerpoint/2010/main" val="1997084875"/>
+        <p14:creationId xmlns:p14="http://schemas.microsoft.com/office/powerpoint/2010/main" val="3210173436"/>
       </p:ext>
     </p:extLst>
   </p:cSld>
   <p:clrMapOvr>
     <a:masterClrMapping/>
   </p:clrMapOvr>
-  <p:timing>
-    <p:tnLst>
-      <p:par>
-        <p:cTn id="1" dur="indefinite" restart="never" nodeType="tmRoot"/>
-      </p:par>
-    </p:tnLst>
-  </p:timing>
 </p:sld>
 </file>
 
@@ -9066,7 +8990,7 @@
             </a:r>
             <a:r>
               <a:rPr lang="en-US" dirty="0" smtClean="0"/>
-              <a:t> Carousel</a:t>
+              <a:t> Format</a:t>
             </a:r>
             <a:endParaRPr lang="en-US" dirty="0"/>
           </a:p>
@@ -9084,47 +9008,127 @@
         </p:nvSpPr>
         <p:spPr/>
         <p:txBody>
-          <a:bodyPr/>
+          <a:bodyPr>
+            <a:normAutofit fontScale="77500" lnSpcReduction="20000"/>
+          </a:bodyPr>
           <a:lstStyle/>
           <a:p>
             <a:r>
               <a:rPr lang="en-US" dirty="0"/>
-              <a:t>S</a:t>
+              <a:t>&lt;div class="container-fluid"&gt;</a:t>
+            </a:r>
+            <a:br>
+              <a:rPr lang="en-US" dirty="0"/>
+            </a:br>
+            <a:r>
+              <a:rPr lang="en-US" dirty="0"/>
+              <a:t>  &lt;h1&gt;my first bootstrap page&lt;/h1&gt;</a:t>
+            </a:r>
+            <a:br>
+              <a:rPr lang="en-US" dirty="0"/>
+            </a:br>
+            <a:r>
+              <a:rPr lang="en-US" dirty="0"/>
+              <a:t>  &lt;p&gt;this is some text.&lt;/p&gt;</a:t>
+            </a:r>
+          </a:p>
+          <a:p>
+            <a:r>
+              <a:rPr lang="en-US" dirty="0"/>
+              <a:t>	&lt;div class="row"&gt;</a:t>
+            </a:r>
+            <a:br>
+              <a:rPr lang="en-US" dirty="0"/>
+            </a:br>
+            <a:r>
+              <a:rPr lang="en-US" dirty="0"/>
+              <a:t>  		&lt;div class="col-*-*"&gt;&lt;/div&gt;</a:t>
+            </a:r>
+            <a:br>
+              <a:rPr lang="en-US" dirty="0"/>
+            </a:br>
+            <a:r>
+              <a:rPr lang="en-US" dirty="0"/>
+              <a:t> 		 &lt;div class="col-*-*"&gt;&lt;/div&gt;</a:t>
+            </a:r>
+            <a:br>
+              <a:rPr lang="en-US" dirty="0"/>
+            </a:br>
+            <a:r>
+              <a:rPr lang="en-US" dirty="0"/>
+              <a:t>	&lt;/div&gt;</a:t>
+            </a:r>
+            <a:br>
+              <a:rPr lang="en-US" dirty="0"/>
+            </a:br>
+            <a:r>
+              <a:rPr lang="en-US" dirty="0"/>
+              <a:t>	&lt;div class="row"&gt;</a:t>
+            </a:r>
+            <a:br>
+              <a:rPr lang="en-US" dirty="0"/>
+            </a:br>
+            <a:r>
+              <a:rPr lang="en-US" dirty="0"/>
+              <a:t>  		&lt;div class="col-*-*"&gt;&lt;/div&gt;</a:t>
+            </a:r>
+            <a:br>
+              <a:rPr lang="en-US" dirty="0"/>
+            </a:br>
+            <a:r>
+              <a:rPr lang="en-US" dirty="0"/>
+              <a:t>  		&lt;div class="col-*-*"&gt;&lt;/div&gt;</a:t>
+            </a:r>
+            <a:br>
+              <a:rPr lang="en-US" dirty="0"/>
+            </a:br>
+            <a:r>
+              <a:rPr lang="en-US" dirty="0"/>
+              <a:t> 		&lt;div class="col-*-*"&gt;&lt;/div&gt;</a:t>
+            </a:r>
+            <a:br>
+              <a:rPr lang="en-US" dirty="0"/>
+            </a:br>
+            <a:r>
+              <a:rPr lang="en-US" dirty="0"/>
+              <a:t>	&lt;/div&gt;</a:t>
+            </a:r>
+            <a:br>
+              <a:rPr lang="en-US" dirty="0"/>
+            </a:br>
+            <a:r>
+              <a:rPr lang="en-US" dirty="0"/>
+              <a:t>&lt;/div</a:t>
             </a:r>
             <a:r>
               <a:rPr lang="en-US" dirty="0" smtClean="0"/>
-              <a:t>lideshow </a:t>
-            </a:r>
-            <a:r>
-              <a:rPr lang="en-US" dirty="0"/>
-              <a:t>for cycling through a series of content</a:t>
-            </a:r>
-            <a:endParaRPr lang="en-US" dirty="0" smtClean="0"/>
-          </a:p>
-          <a:p>
-            <a:r>
-              <a:rPr lang="en-US" dirty="0" smtClean="0"/>
-              <a:t> </a:t>
-            </a:r>
-            <a:r>
-              <a:rPr lang="en-US" dirty="0">
-                <a:hlinkClick r:id="rId2"/>
-              </a:rPr>
-              <a:t>https://sonamgadkari.github.io/Project/</a:t>
-            </a:r>
-            <a:endParaRPr lang="en-US" dirty="0"/>
-          </a:p>
-        </p:txBody>
-      </p:sp>
-      <p:sp>
-        <p:nvSpPr>
-          <p:cNvPr id="4" name="Rectangle 3"/>
+              <a:t>&gt;</a:t>
+            </a:r>
+          </a:p>
+          <a:p>
+            <a:endParaRPr lang="en-US" dirty="0"/>
+          </a:p>
+          <a:p>
+            <a:pPr marL="0" indent="0">
+              <a:buNone/>
+            </a:pPr>
+            <a:r>
+              <a:rPr lang="en-US" dirty="0" err="1" smtClean="0"/>
+              <a:t>md,lg,sm</a:t>
+            </a:r>
+            <a:endParaRPr lang="en-US" dirty="0"/>
+          </a:p>
+        </p:txBody>
+      </p:sp>
+      <p:sp>
+        <p:nvSpPr>
+          <p:cNvPr id="6" name="Rectangle 5"/>
           <p:cNvSpPr/>
           <p:nvPr/>
         </p:nvSpPr>
         <p:spPr>
           <a:xfrm>
-            <a:off x="10868428" y="6024604"/>
+            <a:off x="11222152" y="6352744"/>
             <a:ext cx="859531" cy="369332"/>
           </a:xfrm>
           <a:prstGeom prst="rect">
@@ -9132,22 +9136,23 @@
           </a:prstGeom>
         </p:spPr>
         <p:txBody>
-          <a:bodyPr wrap="none">
+          <a:bodyPr wrap="square">
             <a:spAutoFit/>
           </a:bodyPr>
           <a:lstStyle/>
           <a:p>
             <a:r>
-              <a:rPr lang="en-US" dirty="0"/>
+              <a:rPr lang="en-US" dirty="0" err="1" smtClean="0"/>
               <a:t>Sonam</a:t>
             </a:r>
+            <a:endParaRPr lang="en-US" dirty="0"/>
           </a:p>
         </p:txBody>
       </p:sp>
     </p:spTree>
     <p:extLst>
       <p:ext uri="{BB962C8B-B14F-4D97-AF65-F5344CB8AC3E}">
-        <p14:creationId xmlns:p14="http://schemas.microsoft.com/office/powerpoint/2010/main" val="1953167904"/>
+        <p14:creationId xmlns:p14="http://schemas.microsoft.com/office/powerpoint/2010/main" val="1997084875"/>
       </p:ext>
     </p:extLst>
   </p:cSld>
@@ -9197,8 +9202,12 @@
           <a:lstStyle/>
           <a:p>
             <a:r>
+              <a:rPr lang="en-US" dirty="0" err="1" smtClean="0"/>
+              <a:t>BootStrap</a:t>
+            </a:r>
+            <a:r>
               <a:rPr lang="en-US" dirty="0" smtClean="0"/>
-              <a:t>References</a:t>
+              <a:t> Carousel</a:t>
             </a:r>
             <a:endParaRPr lang="en-US" dirty="0"/>
           </a:p>
@@ -9219,71 +9228,80 @@
           <a:bodyPr/>
           <a:lstStyle/>
           <a:p>
+            <a:r>
+              <a:rPr lang="en-US" dirty="0"/>
+              <a:t>S</a:t>
+            </a:r>
+            <a:r>
+              <a:rPr lang="en-US" dirty="0" smtClean="0"/>
+              <a:t>lideshow </a:t>
+            </a:r>
+            <a:r>
+              <a:rPr lang="en-US" dirty="0"/>
+              <a:t>for cycling through a series of content</a:t>
+            </a:r>
+            <a:endParaRPr lang="en-US" dirty="0" smtClean="0"/>
+          </a:p>
+          <a:p>
+            <a:r>
+              <a:rPr lang="en-US" dirty="0" smtClean="0"/>
+              <a:t> </a:t>
+            </a:r>
             <a:r>
               <a:rPr lang="en-US" dirty="0">
                 <a:hlinkClick r:id="rId2"/>
               </a:rPr>
-              <a:t>https://mdbootstrap.com/md-bootstrap-cdn</a:t>
-            </a:r>
-            <a:r>
-              <a:rPr lang="en-US" dirty="0" smtClean="0">
-                <a:hlinkClick r:id="rId2"/>
-              </a:rPr>
-              <a:t>/</a:t>
-            </a:r>
-            <a:endParaRPr lang="en-US" dirty="0" smtClean="0"/>
-          </a:p>
-          <a:p>
-            <a:endParaRPr lang="en-US" dirty="0" smtClean="0"/>
-          </a:p>
-          <a:p>
-            <a:r>
-              <a:rPr lang="en-US" dirty="0">
-                <a:hlinkClick r:id="rId3"/>
-              </a:rPr>
-              <a:t>https://www.hongkiat.com/blog/20-useful-css-tips-for-beginners</a:t>
-            </a:r>
-            <a:r>
-              <a:rPr lang="en-US" dirty="0" smtClean="0">
-                <a:hlinkClick r:id="rId3"/>
-              </a:rPr>
-              <a:t>/</a:t>
-            </a:r>
-            <a:endParaRPr lang="en-US" dirty="0" smtClean="0"/>
-          </a:p>
-          <a:p>
-            <a:endParaRPr lang="en-US" dirty="0"/>
-          </a:p>
-          <a:p>
-            <a:r>
-              <a:rPr lang="en-US" dirty="0">
-                <a:hlinkClick r:id="rId4"/>
-              </a:rPr>
-              <a:t>https://www.w3schools.com/css</a:t>
-            </a:r>
-            <a:r>
-              <a:rPr lang="en-US" dirty="0" smtClean="0">
-                <a:hlinkClick r:id="rId4"/>
-              </a:rPr>
-              <a:t>/</a:t>
-            </a:r>
-            <a:endParaRPr lang="en-US" dirty="0" smtClean="0"/>
-          </a:p>
-          <a:p>
-            <a:endParaRPr lang="en-US" dirty="0"/>
+              <a:t>https://sonamgadkari.github.io/Project/</a:t>
+            </a:r>
+            <a:endParaRPr lang="en-US" dirty="0"/>
+          </a:p>
+        </p:txBody>
+      </p:sp>
+      <p:sp>
+        <p:nvSpPr>
+          <p:cNvPr id="4" name="Rectangle 3"/>
+          <p:cNvSpPr/>
+          <p:nvPr/>
+        </p:nvSpPr>
+        <p:spPr>
+          <a:xfrm>
+            <a:off x="10868428" y="6024604"/>
+            <a:ext cx="859531" cy="369332"/>
+          </a:xfrm>
+          <a:prstGeom prst="rect">
+            <a:avLst/>
+          </a:prstGeom>
+        </p:spPr>
+        <p:txBody>
+          <a:bodyPr wrap="none">
+            <a:spAutoFit/>
+          </a:bodyPr>
+          <a:lstStyle/>
+          <a:p>
+            <a:r>
+              <a:rPr lang="en-US" dirty="0"/>
+              <a:t>Sonam</a:t>
+            </a:r>
           </a:p>
         </p:txBody>
       </p:sp>
     </p:spTree>
     <p:extLst>
       <p:ext uri="{BB962C8B-B14F-4D97-AF65-F5344CB8AC3E}">
-        <p14:creationId xmlns:p14="http://schemas.microsoft.com/office/powerpoint/2010/main" val="3562904786"/>
+        <p14:creationId xmlns:p14="http://schemas.microsoft.com/office/powerpoint/2010/main" val="1953167904"/>
       </p:ext>
     </p:extLst>
   </p:cSld>
   <p:clrMapOvr>
     <a:masterClrMapping/>
   </p:clrMapOvr>
+  <p:timing>
+    <p:tnLst>
+      <p:par>
+        <p:cTn id="1" dur="indefinite" restart="never" nodeType="tmRoot"/>
+      </p:par>
+    </p:tnLst>
+  </p:timing>
 </p:sld>
 </file>
 
@@ -9448,6 +9466,129 @@
       </p:par>
     </p:tnLst>
   </p:timing>
+</p:sld>
+</file>
+
+<file path=ppt/slides/slide20.xml><?xml version="1.0" encoding="utf-8"?>
+<p:sld xmlns:a="http://schemas.openxmlformats.org/drawingml/2006/main" xmlns:r="http://schemas.openxmlformats.org/officeDocument/2006/relationships" xmlns:p="http://schemas.openxmlformats.org/presentationml/2006/main">
+  <p:cSld>
+    <p:spTree>
+      <p:nvGrpSpPr>
+        <p:cNvPr id="1" name=""/>
+        <p:cNvGrpSpPr/>
+        <p:nvPr/>
+      </p:nvGrpSpPr>
+      <p:grpSpPr>
+        <a:xfrm>
+          <a:off x="0" y="0"/>
+          <a:ext cx="0" cy="0"/>
+          <a:chOff x="0" y="0"/>
+          <a:chExt cx="0" cy="0"/>
+        </a:xfrm>
+      </p:grpSpPr>
+      <p:sp>
+        <p:nvSpPr>
+          <p:cNvPr id="2" name="Title 1"/>
+          <p:cNvSpPr>
+            <a:spLocks noGrp="1"/>
+          </p:cNvSpPr>
+          <p:nvPr>
+            <p:ph type="title"/>
+          </p:nvPr>
+        </p:nvSpPr>
+        <p:spPr/>
+        <p:txBody>
+          <a:bodyPr/>
+          <a:lstStyle/>
+          <a:p>
+            <a:r>
+              <a:rPr lang="en-US" dirty="0" smtClean="0"/>
+              <a:t>References</a:t>
+            </a:r>
+            <a:endParaRPr lang="en-US" dirty="0"/>
+          </a:p>
+        </p:txBody>
+      </p:sp>
+      <p:sp>
+        <p:nvSpPr>
+          <p:cNvPr id="3" name="Content Placeholder 2"/>
+          <p:cNvSpPr>
+            <a:spLocks noGrp="1"/>
+          </p:cNvSpPr>
+          <p:nvPr>
+            <p:ph idx="1"/>
+          </p:nvPr>
+        </p:nvSpPr>
+        <p:spPr/>
+        <p:txBody>
+          <a:bodyPr/>
+          <a:lstStyle/>
+          <a:p>
+            <a:r>
+              <a:rPr lang="en-US" dirty="0">
+                <a:hlinkClick r:id="rId2"/>
+              </a:rPr>
+              <a:t>https://mdbootstrap.com/md-bootstrap-cdn</a:t>
+            </a:r>
+            <a:r>
+              <a:rPr lang="en-US" dirty="0" smtClean="0">
+                <a:hlinkClick r:id="rId2"/>
+              </a:rPr>
+              <a:t>/</a:t>
+            </a:r>
+            <a:endParaRPr lang="en-US" dirty="0" smtClean="0"/>
+          </a:p>
+          <a:p>
+            <a:endParaRPr lang="en-US" dirty="0" smtClean="0"/>
+          </a:p>
+          <a:p>
+            <a:r>
+              <a:rPr lang="en-US" dirty="0">
+                <a:hlinkClick r:id="rId3"/>
+              </a:rPr>
+              <a:t>https://www.hongkiat.com/blog/20-useful-css-tips-for-beginners</a:t>
+            </a:r>
+            <a:r>
+              <a:rPr lang="en-US" dirty="0" smtClean="0">
+                <a:hlinkClick r:id="rId3"/>
+              </a:rPr>
+              <a:t>/</a:t>
+            </a:r>
+            <a:endParaRPr lang="en-US" dirty="0" smtClean="0"/>
+          </a:p>
+          <a:p>
+            <a:endParaRPr lang="en-US" dirty="0"/>
+          </a:p>
+          <a:p>
+            <a:r>
+              <a:rPr lang="en-US" dirty="0">
+                <a:hlinkClick r:id="rId4"/>
+              </a:rPr>
+              <a:t>https://www.w3schools.com/css</a:t>
+            </a:r>
+            <a:r>
+              <a:rPr lang="en-US" dirty="0" smtClean="0">
+                <a:hlinkClick r:id="rId4"/>
+              </a:rPr>
+              <a:t>/</a:t>
+            </a:r>
+            <a:endParaRPr lang="en-US" dirty="0" smtClean="0"/>
+          </a:p>
+          <a:p>
+            <a:endParaRPr lang="en-US" dirty="0"/>
+          </a:p>
+        </p:txBody>
+      </p:sp>
+    </p:spTree>
+    <p:extLst>
+      <p:ext uri="{BB962C8B-B14F-4D97-AF65-F5344CB8AC3E}">
+        <p14:creationId xmlns:p14="http://schemas.microsoft.com/office/powerpoint/2010/main" val="3562904786"/>
+      </p:ext>
+    </p:extLst>
+  </p:cSld>
+  <p:clrMapOvr>
+    <a:masterClrMapping/>
+  </p:clrMapOvr>
 </p:sld>
 </file>
 
@@ -10063,48 +10204,101 @@
           <a:p>
             <a:r>
               <a:rPr lang="en-US" dirty="0" smtClean="0"/>
-              <a:t>Inserting Image</a:t>
-            </a:r>
-            <a:endParaRPr lang="en-US" dirty="0"/>
-          </a:p>
-        </p:txBody>
-      </p:sp>
-      <p:pic>
-        <p:nvPicPr>
-          <p:cNvPr id="4" name="Content Placeholder 3"/>
-          <p:cNvPicPr>
-            <a:picLocks noGrp="1" noChangeAspect="1"/>
-          </p:cNvPicPr>
+              <a:t>CSS Animations</a:t>
+            </a:r>
+            <a:endParaRPr lang="en-US" dirty="0"/>
+          </a:p>
+        </p:txBody>
+      </p:sp>
+      <p:sp>
+        <p:nvSpPr>
+          <p:cNvPr id="3" name="Content Placeholder 2"/>
+          <p:cNvSpPr>
+            <a:spLocks noGrp="1"/>
+          </p:cNvSpPr>
           <p:nvPr>
             <p:ph idx="1"/>
           </p:nvPr>
-        </p:nvPicPr>
-        <p:blipFill>
-          <a:blip r:embed="rId2"/>
-          <a:stretch>
-            <a:fillRect/>
-          </a:stretch>
-        </p:blipFill>
-        <p:spPr>
-          <a:xfrm>
-            <a:off x="5955330" y="2421924"/>
-            <a:ext cx="4338852" cy="2594919"/>
-          </a:xfrm>
-          <a:prstGeom prst="rect">
-            <a:avLst/>
-          </a:prstGeom>
-        </p:spPr>
-      </p:pic>
-      <p:sp>
-        <p:nvSpPr>
-          <p:cNvPr id="5" name="TextBox 4"/>
+        </p:nvSpPr>
+        <p:spPr/>
+        <p:txBody>
+          <a:bodyPr>
+            <a:normAutofit/>
+          </a:bodyPr>
+          <a:lstStyle/>
+          <a:p>
+            <a:r>
+              <a:rPr lang="en-US" dirty="0" smtClean="0"/>
+              <a:t>An </a:t>
+            </a:r>
+            <a:r>
+              <a:rPr lang="en-US" dirty="0"/>
+              <a:t>animation </a:t>
+            </a:r>
+            <a:r>
+              <a:rPr lang="en-US" dirty="0" smtClean="0"/>
+              <a:t>is </a:t>
+            </a:r>
+            <a:r>
+              <a:rPr lang="en-US" dirty="0"/>
+              <a:t>a visualization of change</a:t>
+            </a:r>
+          </a:p>
+          <a:p>
+            <a:r>
+              <a:rPr lang="en-US" dirty="0"/>
+              <a:t>An animation lets an element gradually change from one style to another</a:t>
+            </a:r>
+            <a:r>
+              <a:rPr lang="en-US" dirty="0" smtClean="0"/>
+              <a:t>. </a:t>
+            </a:r>
+          </a:p>
+          <a:p>
+            <a:r>
+              <a:rPr lang="en-US" dirty="0"/>
+              <a:t>To use CSS animation, you must first specify some </a:t>
+            </a:r>
+            <a:r>
+              <a:rPr lang="en-US" dirty="0" err="1"/>
+              <a:t>keyframes</a:t>
+            </a:r>
+            <a:r>
+              <a:rPr lang="en-US" dirty="0"/>
+              <a:t> for the animation</a:t>
+            </a:r>
+            <a:r>
+              <a:rPr lang="en-US" dirty="0" smtClean="0"/>
+              <a:t>.</a:t>
+            </a:r>
+          </a:p>
+          <a:p>
+            <a:r>
+              <a:rPr lang="en-US" dirty="0" err="1"/>
+              <a:t>Keyframes</a:t>
+            </a:r>
+            <a:r>
+              <a:rPr lang="en-US" dirty="0"/>
+              <a:t> hold what styles the element will have at certain times</a:t>
+            </a:r>
+            <a:r>
+              <a:rPr lang="en-US" dirty="0" smtClean="0"/>
+              <a:t>.</a:t>
+            </a:r>
+            <a:endParaRPr lang="en-US" dirty="0"/>
+          </a:p>
+        </p:txBody>
+      </p:sp>
+      <p:sp>
+        <p:nvSpPr>
+          <p:cNvPr id="4" name="TextBox 3"/>
           <p:cNvSpPr txBox="1"/>
           <p:nvPr/>
         </p:nvSpPr>
         <p:spPr>
           <a:xfrm>
-            <a:off x="680321" y="2619632"/>
-            <a:ext cx="4694868" cy="1200329"/>
+            <a:off x="11392930" y="6488668"/>
+            <a:ext cx="1169773" cy="369332"/>
           </a:xfrm>
           <a:prstGeom prst="rect">
             <a:avLst/>
@@ -10118,36 +10312,6 @@
           <a:lstStyle/>
           <a:p>
             <a:r>
-              <a:rPr lang="en-US" dirty="0" smtClean="0"/>
-              <a:t>text-indent:-9999px; throws your text title off screen, replaced by an image declared by background:{…} with a fixed width and height.</a:t>
-            </a:r>
-            <a:endParaRPr lang="en-US" dirty="0"/>
-          </a:p>
-        </p:txBody>
-      </p:sp>
-      <p:sp>
-        <p:nvSpPr>
-          <p:cNvPr id="6" name="TextBox 5"/>
-          <p:cNvSpPr txBox="1"/>
-          <p:nvPr/>
-        </p:nvSpPr>
-        <p:spPr>
-          <a:xfrm>
-            <a:off x="11355859" y="6463955"/>
-            <a:ext cx="1021492" cy="369332"/>
-          </a:xfrm>
-          <a:prstGeom prst="rect">
-            <a:avLst/>
-          </a:prstGeom>
-          <a:noFill/>
-        </p:spPr>
-        <p:txBody>
-          <a:bodyPr wrap="square" rtlCol="0">
-            <a:spAutoFit/>
-          </a:bodyPr>
-          <a:lstStyle/>
-          <a:p>
-            <a:r>
               <a:rPr lang="en-US" dirty="0"/>
               <a:t>Surya</a:t>
             </a:r>
@@ -10157,7 +10321,7 @@
     </p:spTree>
     <p:extLst>
       <p:ext uri="{BB962C8B-B14F-4D97-AF65-F5344CB8AC3E}">
-        <p14:creationId xmlns:p14="http://schemas.microsoft.com/office/powerpoint/2010/main" val="2544022849"/>
+        <p14:creationId xmlns:p14="http://schemas.microsoft.com/office/powerpoint/2010/main" val="762067287"/>
       </p:ext>
     </p:extLst>
   </p:cSld>
@@ -10208,7 +10372,7 @@
           <a:p>
             <a:r>
               <a:rPr lang="en-US" dirty="0" smtClean="0"/>
-              <a:t>CSS Animations</a:t>
+              <a:t>CSS Images</a:t>
             </a:r>
             <a:endParaRPr lang="en-US" dirty="0"/>
           </a:p>
@@ -10226,119 +10390,148 @@
         </p:nvSpPr>
         <p:spPr/>
         <p:txBody>
-          <a:bodyPr>
-            <a:normAutofit/>
-          </a:bodyPr>
-          <a:lstStyle/>
-          <a:p>
-            <a:r>
-              <a:rPr lang="en-US" dirty="0" smtClean="0"/>
-              <a:t>An </a:t>
-            </a:r>
-            <a:r>
-              <a:rPr lang="en-US" dirty="0"/>
-              <a:t>animation </a:t>
-            </a:r>
-            <a:r>
-              <a:rPr lang="en-US" dirty="0" smtClean="0"/>
-              <a:t>is </a:t>
-            </a:r>
-            <a:r>
-              <a:rPr lang="en-US" dirty="0"/>
-              <a:t>a visualization of change</a:t>
-            </a:r>
-          </a:p>
-          <a:p>
-            <a:r>
-              <a:rPr lang="en-US" dirty="0"/>
-              <a:t>An animation lets an element gradually change from one style to another</a:t>
-            </a:r>
-            <a:r>
-              <a:rPr lang="en-US" dirty="0" smtClean="0"/>
-              <a:t>. </a:t>
-            </a:r>
-          </a:p>
-          <a:p>
-            <a:r>
-              <a:rPr lang="en-US" dirty="0"/>
-              <a:t>To use CSS animation, you must first specify some </a:t>
-            </a:r>
-            <a:r>
-              <a:rPr lang="en-US" dirty="0" err="1"/>
-              <a:t>keyframes</a:t>
-            </a:r>
-            <a:r>
-              <a:rPr lang="en-US" dirty="0"/>
-              <a:t> for the animation</a:t>
-            </a:r>
-            <a:r>
-              <a:rPr lang="en-US" dirty="0" smtClean="0"/>
-              <a:t>.</a:t>
-            </a:r>
-          </a:p>
-          <a:p>
-            <a:r>
-              <a:rPr lang="en-US" dirty="0" err="1"/>
-              <a:t>Keyframes</a:t>
-            </a:r>
-            <a:r>
-              <a:rPr lang="en-US" dirty="0"/>
-              <a:t> hold what styles the element will have at certain times</a:t>
-            </a:r>
-            <a:r>
-              <a:rPr lang="en-US" dirty="0" smtClean="0"/>
-              <a:t>.</a:t>
-            </a:r>
-            <a:endParaRPr lang="en-US" dirty="0"/>
-          </a:p>
-        </p:txBody>
-      </p:sp>
-      <p:sp>
-        <p:nvSpPr>
-          <p:cNvPr id="4" name="TextBox 3"/>
-          <p:cNvSpPr txBox="1"/>
+          <a:bodyPr/>
+          <a:lstStyle/>
+          <a:p>
+            <a:endParaRPr lang="en-US"/>
+          </a:p>
+        </p:txBody>
+      </p:sp>
+      <p:sp>
+        <p:nvSpPr>
+          <p:cNvPr id="4" name="Rectangle 3"/>
+          <p:cNvSpPr/>
           <p:nvPr/>
         </p:nvSpPr>
         <p:spPr>
           <a:xfrm>
-            <a:off x="11392930" y="6488668"/>
-            <a:ext cx="1169773" cy="369332"/>
+            <a:off x="3048000" y="2828836"/>
+            <a:ext cx="7949514" cy="1815882"/>
           </a:xfrm>
           <a:prstGeom prst="rect">
             <a:avLst/>
           </a:prstGeom>
-          <a:noFill/>
-        </p:spPr>
-        <p:txBody>
-          <a:bodyPr wrap="square" rtlCol="0">
+        </p:spPr>
+        <p:txBody>
+          <a:bodyPr wrap="square">
             <a:spAutoFit/>
           </a:bodyPr>
           <a:lstStyle/>
           <a:p>
-            <a:r>
-              <a:rPr lang="en-US" dirty="0"/>
-              <a:t>Surya</a:t>
-            </a:r>
+            <a:pPr fontAlgn="base">
+              <a:buFont typeface="Arial" panose="020B0604020202020204" pitchFamily="34" charset="0"/>
+              <a:buChar char="•"/>
+            </a:pPr>
+            <a:r>
+              <a:rPr lang="en-US" sz="2800" dirty="0">
+                <a:solidFill>
+                  <a:srgbClr val="FFFFFF"/>
+                </a:solidFill>
+                <a:latin typeface="Trebuchet MS" panose="020B0603020202020204" pitchFamily="34" charset="0"/>
+              </a:rPr>
+              <a:t>Transparent Image(using Opacity)​</a:t>
+            </a:r>
+            <a:endParaRPr lang="en-US" sz="2800" dirty="0">
+              <a:solidFill>
+                <a:srgbClr val="FFFFFF"/>
+              </a:solidFill>
+              <a:latin typeface="Arial" panose="020B0604020202020204" pitchFamily="34" charset="0"/>
+            </a:endParaRPr>
+          </a:p>
+          <a:p>
+            <a:pPr fontAlgn="base">
+              <a:buFont typeface="Arial" panose="020B0604020202020204" pitchFamily="34" charset="0"/>
+              <a:buChar char="•"/>
+            </a:pPr>
+            <a:r>
+              <a:rPr lang="en-US" sz="2800" dirty="0">
+                <a:solidFill>
+                  <a:srgbClr val="FFFFFF"/>
+                </a:solidFill>
+                <a:latin typeface="Trebuchet MS" panose="020B0603020202020204" pitchFamily="34" charset="0"/>
+              </a:rPr>
+              <a:t>Image filters(using </a:t>
+            </a:r>
+            <a:r>
+              <a:rPr lang="en-US" sz="2800" dirty="0" err="1">
+                <a:solidFill>
+                  <a:srgbClr val="FFFFFF"/>
+                </a:solidFill>
+                <a:latin typeface="Trebuchet MS" panose="020B0603020202020204" pitchFamily="34" charset="0"/>
+              </a:rPr>
+              <a:t>GrayScale</a:t>
+            </a:r>
+            <a:r>
+              <a:rPr lang="en-US" sz="2800" dirty="0">
+                <a:solidFill>
+                  <a:srgbClr val="FFFFFF"/>
+                </a:solidFill>
+                <a:latin typeface="Trebuchet MS" panose="020B0603020202020204" pitchFamily="34" charset="0"/>
+              </a:rPr>
+              <a:t>)​</a:t>
+            </a:r>
+            <a:endParaRPr lang="en-US" sz="2800" dirty="0">
+              <a:solidFill>
+                <a:srgbClr val="FFFFFF"/>
+              </a:solidFill>
+              <a:latin typeface="Arial" panose="020B0604020202020204" pitchFamily="34" charset="0"/>
+            </a:endParaRPr>
+          </a:p>
+          <a:p>
+            <a:pPr fontAlgn="base">
+              <a:buFont typeface="Arial" panose="020B0604020202020204" pitchFamily="34" charset="0"/>
+              <a:buChar char="•"/>
+            </a:pPr>
+            <a:r>
+              <a:rPr lang="en-US" sz="2800" dirty="0">
+                <a:solidFill>
+                  <a:srgbClr val="FFFFFF"/>
+                </a:solidFill>
+                <a:latin typeface="Trebuchet MS" panose="020B0603020202020204" pitchFamily="34" charset="0"/>
+              </a:rPr>
+              <a:t>Image Hover​</a:t>
+            </a:r>
+            <a:endParaRPr lang="en-US" sz="2800" dirty="0">
+              <a:solidFill>
+                <a:srgbClr val="FFFFFF"/>
+              </a:solidFill>
+              <a:latin typeface="Arial" panose="020B0604020202020204" pitchFamily="34" charset="0"/>
+            </a:endParaRPr>
+          </a:p>
+          <a:p>
+            <a:pPr fontAlgn="base">
+              <a:buFont typeface="Arial" panose="020B0604020202020204" pitchFamily="34" charset="0"/>
+              <a:buChar char="•"/>
+            </a:pPr>
+            <a:r>
+              <a:rPr lang="en-US" sz="2800" dirty="0">
+                <a:solidFill>
+                  <a:srgbClr val="FFFFFF"/>
+                </a:solidFill>
+                <a:latin typeface="Trebuchet MS" panose="020B0603020202020204" pitchFamily="34" charset="0"/>
+              </a:rPr>
+              <a:t>Image Hover Overlay</a:t>
+            </a:r>
+            <a:endParaRPr lang="en-US" sz="2800" b="0" i="0" dirty="0">
+              <a:solidFill>
+                <a:srgbClr val="FFFFFF"/>
+              </a:solidFill>
+              <a:effectLst/>
+              <a:latin typeface="Arial" panose="020B0604020202020204" pitchFamily="34" charset="0"/>
+            </a:endParaRPr>
           </a:p>
         </p:txBody>
       </p:sp>
     </p:spTree>
     <p:extLst>
       <p:ext uri="{BB962C8B-B14F-4D97-AF65-F5344CB8AC3E}">
-        <p14:creationId xmlns:p14="http://schemas.microsoft.com/office/powerpoint/2010/main" val="762067287"/>
+        <p14:creationId xmlns:p14="http://schemas.microsoft.com/office/powerpoint/2010/main" val="2367639426"/>
       </p:ext>
     </p:extLst>
   </p:cSld>
   <p:clrMapOvr>
     <a:masterClrMapping/>
   </p:clrMapOvr>
-  <p:timing>
-    <p:tnLst>
-      <p:par>
-        <p:cTn id="1" dur="indefinite" restart="never" nodeType="tmRoot"/>
-      </p:par>
-    </p:tnLst>
-  </p:timing>
 </p:sld>
 </file>
 
@@ -10374,43 +10567,29 @@
           <a:bodyPr/>
           <a:lstStyle/>
           <a:p>
-            <a:r>
-              <a:rPr lang="en-US" dirty="0" smtClean="0"/>
-              <a:t>Button Press Animation</a:t>
-            </a:r>
-            <a:endParaRPr lang="en-US" dirty="0"/>
-          </a:p>
-        </p:txBody>
-      </p:sp>
-      <p:pic>
-        <p:nvPicPr>
-          <p:cNvPr id="5" name="Content Placeholder 4"/>
-          <p:cNvPicPr>
-            <a:picLocks noGrp="1" noChangeAspect="1"/>
-          </p:cNvPicPr>
+            <a:endParaRPr lang="en-US"/>
+          </a:p>
+        </p:txBody>
+      </p:sp>
+      <p:sp>
+        <p:nvSpPr>
+          <p:cNvPr id="3" name="Content Placeholder 2"/>
+          <p:cNvSpPr>
+            <a:spLocks noGrp="1"/>
+          </p:cNvSpPr>
           <p:nvPr>
             <p:ph idx="1"/>
           </p:nvPr>
-        </p:nvPicPr>
-        <p:blipFill>
-          <a:blip r:embed="rId2">
-            <a:extLst>
-              <a:ext uri="{28A0092B-C50C-407E-A947-70E740481C1C}">
-                <a14:useLocalDpi xmlns:a14="http://schemas.microsoft.com/office/drawing/2010/main" val="0"/>
-              </a:ext>
-            </a:extLst>
-          </a:blip>
-          <a:stretch>
-            <a:fillRect/>
-          </a:stretch>
-        </p:blipFill>
-        <p:spPr>
-          <a:xfrm>
-            <a:off x="7821741" y="2782652"/>
-            <a:ext cx="2648105" cy="1566926"/>
-          </a:xfrm>
-        </p:spPr>
-      </p:pic>
+        </p:nvSpPr>
+        <p:spPr/>
+        <p:txBody>
+          <a:bodyPr/>
+          <a:lstStyle/>
+          <a:p>
+            <a:endParaRPr lang="en-US"/>
+          </a:p>
+        </p:txBody>
+      </p:sp>
       <p:pic>
         <p:nvPicPr>
           <p:cNvPr id="4" name="Picture 3"/>
@@ -10420,68 +10599,31 @@
           <p:nvPr/>
         </p:nvPicPr>
         <p:blipFill>
-          <a:blip r:embed="rId3"/>
+          <a:blip r:embed="rId2"/>
           <a:stretch>
             <a:fillRect/>
           </a:stretch>
         </p:blipFill>
         <p:spPr>
           <a:xfrm>
-            <a:off x="680320" y="2336872"/>
-            <a:ext cx="6586843" cy="3606727"/>
+            <a:off x="135924" y="14126"/>
+            <a:ext cx="11961341" cy="6781819"/>
           </a:xfrm>
           <a:prstGeom prst="rect">
             <a:avLst/>
           </a:prstGeom>
         </p:spPr>
       </p:pic>
-      <p:sp>
-        <p:nvSpPr>
-          <p:cNvPr id="6" name="TextBox 5"/>
-          <p:cNvSpPr txBox="1"/>
-          <p:nvPr/>
-        </p:nvSpPr>
-        <p:spPr>
-          <a:xfrm>
-            <a:off x="11553567" y="6488668"/>
-            <a:ext cx="926757" cy="369332"/>
-          </a:xfrm>
-          <a:prstGeom prst="rect">
-            <a:avLst/>
-          </a:prstGeom>
-          <a:noFill/>
-        </p:spPr>
-        <p:txBody>
-          <a:bodyPr wrap="square" rtlCol="0">
-            <a:spAutoFit/>
-          </a:bodyPr>
-          <a:lstStyle/>
-          <a:p>
-            <a:r>
-              <a:rPr lang="en-US" dirty="0" smtClean="0"/>
-              <a:t>Telio</a:t>
-            </a:r>
-            <a:endParaRPr lang="en-US" dirty="0"/>
-          </a:p>
-        </p:txBody>
-      </p:sp>
     </p:spTree>
     <p:extLst>
       <p:ext uri="{BB962C8B-B14F-4D97-AF65-F5344CB8AC3E}">
-        <p14:creationId xmlns:p14="http://schemas.microsoft.com/office/powerpoint/2010/main" val="3535501036"/>
+        <p14:creationId xmlns:p14="http://schemas.microsoft.com/office/powerpoint/2010/main" val="3145026920"/>
       </p:ext>
     </p:extLst>
   </p:cSld>
   <p:clrMapOvr>
     <a:masterClrMapping/>
   </p:clrMapOvr>
-  <p:timing>
-    <p:tnLst>
-      <p:par>
-        <p:cTn id="1" dur="indefinite" restart="never" nodeType="tmRoot"/>
-      </p:par>
-    </p:tnLst>
-  </p:timing>
 </p:sld>
 </file>
 
@@ -10519,7 +10661,7 @@
           <a:p>
             <a:r>
               <a:rPr lang="en-US" dirty="0" smtClean="0"/>
-              <a:t>Button Grow Animation</a:t>
+              <a:t>Button Press Animation</a:t>
             </a:r>
             <a:endParaRPr lang="en-US" dirty="0"/>
           </a:p>
@@ -10549,8 +10691,8 @@
         </p:blipFill>
         <p:spPr>
           <a:xfrm>
-            <a:off x="6950975" y="2470528"/>
-            <a:ext cx="2506345" cy="1520704"/>
+            <a:off x="7821741" y="2782652"/>
+            <a:ext cx="2648105" cy="1566926"/>
           </a:xfrm>
         </p:spPr>
       </p:pic>
@@ -10570,8 +10712,8 @@
         </p:blipFill>
         <p:spPr>
           <a:xfrm>
-            <a:off x="680321" y="2336872"/>
-            <a:ext cx="5361793" cy="1790285"/>
+            <a:off x="680320" y="2336872"/>
+            <a:ext cx="6586843" cy="3606727"/>
           </a:xfrm>
           <a:prstGeom prst="rect">
             <a:avLst/>
@@ -10580,36 +10722,38 @@
       </p:pic>
       <p:sp>
         <p:nvSpPr>
-          <p:cNvPr id="6" name="Rectangle 5"/>
-          <p:cNvSpPr/>
+          <p:cNvPr id="6" name="TextBox 5"/>
+          <p:cNvSpPr txBox="1"/>
           <p:nvPr/>
         </p:nvSpPr>
         <p:spPr>
           <a:xfrm>
-            <a:off x="11518289" y="6452968"/>
-            <a:ext cx="673711" cy="369332"/>
+            <a:off x="11553567" y="6488668"/>
+            <a:ext cx="926757" cy="369332"/>
           </a:xfrm>
           <a:prstGeom prst="rect">
             <a:avLst/>
           </a:prstGeom>
-        </p:spPr>
-        <p:txBody>
-          <a:bodyPr wrap="none">
+          <a:noFill/>
+        </p:spPr>
+        <p:txBody>
+          <a:bodyPr wrap="square" rtlCol="0">
             <a:spAutoFit/>
           </a:bodyPr>
           <a:lstStyle/>
           <a:p>
             <a:r>
-              <a:rPr lang="en-US" dirty="0"/>
+              <a:rPr lang="en-US" dirty="0" smtClean="0"/>
               <a:t>Telio</a:t>
             </a:r>
+            <a:endParaRPr lang="en-US" dirty="0"/>
           </a:p>
         </p:txBody>
       </p:sp>
     </p:spTree>
     <p:extLst>
       <p:ext uri="{BB962C8B-B14F-4D97-AF65-F5344CB8AC3E}">
-        <p14:creationId xmlns:p14="http://schemas.microsoft.com/office/powerpoint/2010/main" val="494620401"/>
+        <p14:creationId xmlns:p14="http://schemas.microsoft.com/office/powerpoint/2010/main" val="3535501036"/>
       </p:ext>
     </p:extLst>
   </p:cSld>
